--- a/Lectures/cse220-02-fundamentals.pptx
+++ b/Lectures/cse220-02-fundamentals.pptx
@@ -5,10 +5,10 @@
     <p:sldMasterId id="2147484001" r:id="rId1"/>
   </p:sldMasterIdLst>
   <p:notesMasterIdLst>
-    <p:notesMasterId r:id="rId22"/>
+    <p:notesMasterId r:id="rId21"/>
   </p:notesMasterIdLst>
   <p:handoutMasterIdLst>
-    <p:handoutMasterId r:id="rId23"/>
+    <p:handoutMasterId r:id="rId22"/>
   </p:handoutMasterIdLst>
   <p:sldIdLst>
     <p:sldId id="256" r:id="rId2"/>
@@ -29,8 +29,7 @@
     <p:sldId id="321" r:id="rId17"/>
     <p:sldId id="322" r:id="rId18"/>
     <p:sldId id="347" r:id="rId19"/>
-    <p:sldId id="348" r:id="rId20"/>
-    <p:sldId id="324" r:id="rId21"/>
+    <p:sldId id="324" r:id="rId20"/>
   </p:sldIdLst>
   <p:sldSz cx="9144000" cy="6858000" type="screen4x3"/>
   <p:notesSz cx="7315200" cy="9601200"/>
@@ -230,7 +229,7 @@
           <a:p>
             <a:fld id="{BD881434-6122-FF40-9E3D-9815E9633609}" type="datetimeFigureOut">
               <a:rPr lang="en-US" smtClean="0"/>
-              <a:t>9/7/16</a:t>
+              <a:t>9/6/20</a:t>
             </a:fld>
             <a:endParaRPr lang="en-US"/>
           </a:p>
@@ -395,7 +394,7 @@
           <a:p>
             <a:fld id="{7E251A12-E2C7-490F-9B80-BF4FB84EE236}" type="datetimeFigureOut">
               <a:rPr lang="en-US" smtClean="0"/>
-              <a:t>9/7/16</a:t>
+              <a:t>9/6/20</a:t>
             </a:fld>
             <a:endParaRPr lang="en-US"/>
           </a:p>
@@ -461,38 +460,37 @@
           <a:p>
             <a:pPr lvl="0"/>
             <a:r>
-              <a:rPr lang="en-US" smtClean="0"/>
+              <a:rPr lang="en-US"/>
               <a:t>Click to edit Master text styles</a:t>
             </a:r>
           </a:p>
           <a:p>
             <a:pPr lvl="1"/>
             <a:r>
-              <a:rPr lang="en-US" smtClean="0"/>
+              <a:rPr lang="en-US"/>
               <a:t>Second level</a:t>
             </a:r>
           </a:p>
           <a:p>
             <a:pPr lvl="2"/>
             <a:r>
-              <a:rPr lang="en-US" smtClean="0"/>
+              <a:rPr lang="en-US"/>
               <a:t>Third level</a:t>
             </a:r>
           </a:p>
           <a:p>
             <a:pPr lvl="3"/>
             <a:r>
-              <a:rPr lang="en-US" smtClean="0"/>
+              <a:rPr lang="en-US"/>
               <a:t>Fourth level</a:t>
             </a:r>
           </a:p>
           <a:p>
             <a:pPr lvl="4"/>
             <a:r>
-              <a:rPr lang="en-US" smtClean="0"/>
+              <a:rPr lang="en-US"/>
               <a:t>Fifth level</a:t>
             </a:r>
-            <a:endParaRPr lang="en-US"/>
           </a:p>
         </p:txBody>
       </p:sp>
@@ -1086,90 +1084,6 @@
 </p:notes>
 </file>
 
-<file path=ppt/notesSlides/notesSlide6.xml><?xml version="1.0" encoding="utf-8"?>
-<p:notes xmlns:a="http://schemas.openxmlformats.org/drawingml/2006/main" xmlns:r="http://schemas.openxmlformats.org/officeDocument/2006/relationships" xmlns:p="http://schemas.openxmlformats.org/presentationml/2006/main">
-  <p:cSld>
-    <p:spTree>
-      <p:nvGrpSpPr>
-        <p:cNvPr id="1" name=""/>
-        <p:cNvGrpSpPr/>
-        <p:nvPr/>
-      </p:nvGrpSpPr>
-      <p:grpSpPr>
-        <a:xfrm>
-          <a:off x="0" y="0"/>
-          <a:ext cx="0" cy="0"/>
-          <a:chOff x="0" y="0"/>
-          <a:chExt cx="0" cy="0"/>
-        </a:xfrm>
-      </p:grpSpPr>
-      <p:sp>
-        <p:nvSpPr>
-          <p:cNvPr id="2" name="Slide Image Placeholder 1"/>
-          <p:cNvSpPr>
-            <a:spLocks noGrp="1" noRot="1" noChangeAspect="1"/>
-          </p:cNvSpPr>
-          <p:nvPr>
-            <p:ph type="sldImg"/>
-          </p:nvPr>
-        </p:nvSpPr>
-        <p:spPr/>
-      </p:sp>
-      <p:sp>
-        <p:nvSpPr>
-          <p:cNvPr id="3" name="Notes Placeholder 2"/>
-          <p:cNvSpPr>
-            <a:spLocks noGrp="1"/>
-          </p:cNvSpPr>
-          <p:nvPr>
-            <p:ph type="body" idx="1"/>
-          </p:nvPr>
-        </p:nvSpPr>
-        <p:spPr/>
-        <p:txBody>
-          <a:bodyPr/>
-          <a:lstStyle/>
-          <a:p>
-            <a:endParaRPr lang="en-US"/>
-          </a:p>
-        </p:txBody>
-      </p:sp>
-      <p:sp>
-        <p:nvSpPr>
-          <p:cNvPr id="4" name="Slide Number Placeholder 3"/>
-          <p:cNvSpPr>
-            <a:spLocks noGrp="1"/>
-          </p:cNvSpPr>
-          <p:nvPr>
-            <p:ph type="sldNum" sz="quarter" idx="10"/>
-          </p:nvPr>
-        </p:nvSpPr>
-        <p:spPr/>
-        <p:txBody>
-          <a:bodyPr/>
-          <a:lstStyle/>
-          <a:p>
-            <a:fld id="{8FDD8560-5E15-4AE0-B797-0330597627D2}" type="slidenum">
-              <a:rPr lang="en-US" smtClean="0"/>
-              <a:t>19</a:t>
-            </a:fld>
-            <a:endParaRPr lang="en-US"/>
-          </a:p>
-        </p:txBody>
-      </p:sp>
-    </p:spTree>
-    <p:extLst>
-      <p:ext uri="{BB962C8B-B14F-4D97-AF65-F5344CB8AC3E}">
-        <p14:creationId xmlns:p14="http://schemas.microsoft.com/office/powerpoint/2010/main" val="1539991694"/>
-      </p:ext>
-    </p:extLst>
-  </p:cSld>
-  <p:clrMapOvr>
-    <a:masterClrMapping/>
-  </p:clrMapOvr>
-</p:notes>
-</file>
-
 <file path=ppt/slideLayouts/slideLayout1.xml><?xml version="1.0" encoding="utf-8"?>
 <p:sldLayout xmlns:a="http://schemas.openxmlformats.org/drawingml/2006/main" xmlns:r="http://schemas.openxmlformats.org/officeDocument/2006/relationships" xmlns:p="http://schemas.openxmlformats.org/presentationml/2006/main" showMasterSp="0" type="title" preserve="1">
   <p:cSld name="Title Slide">
@@ -1231,7 +1145,7 @@
           </a:lstStyle>
           <a:p>
             <a:r>
-              <a:rPr lang="en-US" smtClean="0"/>
+              <a:rPr lang="en-US"/>
               <a:t>Click to edit Master title style</a:t>
             </a:r>
             <a:endParaRPr lang="en-US" dirty="0"/>
@@ -1304,7 +1218,7 @@
           </a:lstStyle>
           <a:p>
             <a:r>
-              <a:rPr lang="en-US" smtClean="0"/>
+              <a:rPr lang="en-US"/>
               <a:t>Click to edit Master subtitle style</a:t>
             </a:r>
             <a:endParaRPr lang="en-US" dirty="0"/>
@@ -1377,7 +1291,7 @@
           <a:p>
             <a:fld id="{7384DF1B-9306-5C40-9876-AE2D78A9FDE4}" type="datetime1">
               <a:rPr lang="en-US" smtClean="0"/>
-              <a:t>9/7/16</a:t>
+              <a:t>9/6/20</a:t>
             </a:fld>
             <a:endParaRPr lang="en-US"/>
           </a:p>
@@ -1499,7 +1413,7 @@
           <a:lstStyle/>
           <a:p>
             <a:r>
-              <a:rPr lang="en-US" smtClean="0"/>
+              <a:rPr lang="en-US"/>
               <a:t>Click to edit Master title style</a:t>
             </a:r>
             <a:endParaRPr lang="en-US" dirty="0"/>
@@ -1523,35 +1437,35 @@
           <a:p>
             <a:pPr lvl="0"/>
             <a:r>
-              <a:rPr lang="en-US" smtClean="0"/>
+              <a:rPr lang="en-US"/>
               <a:t>Click to edit Master text styles</a:t>
             </a:r>
           </a:p>
           <a:p>
             <a:pPr lvl="1"/>
             <a:r>
-              <a:rPr lang="en-US" smtClean="0"/>
+              <a:rPr lang="en-US"/>
               <a:t>Second level</a:t>
             </a:r>
           </a:p>
           <a:p>
             <a:pPr lvl="2"/>
             <a:r>
-              <a:rPr lang="en-US" smtClean="0"/>
+              <a:rPr lang="en-US"/>
               <a:t>Third level</a:t>
             </a:r>
           </a:p>
           <a:p>
             <a:pPr lvl="3"/>
             <a:r>
-              <a:rPr lang="en-US" smtClean="0"/>
+              <a:rPr lang="en-US"/>
               <a:t>Fourth level</a:t>
             </a:r>
           </a:p>
           <a:p>
             <a:pPr lvl="4"/>
             <a:r>
-              <a:rPr lang="en-US" smtClean="0"/>
+              <a:rPr lang="en-US"/>
               <a:t>Fifth level</a:t>
             </a:r>
             <a:endParaRPr lang="en-US" dirty="0"/>
@@ -1575,7 +1489,7 @@
           <a:p>
             <a:fld id="{8E39E3B8-3B06-F446-8564-844FD2CD4310}" type="datetime1">
               <a:rPr lang="en-US" smtClean="0"/>
-              <a:t>9/7/16</a:t>
+              <a:t>9/6/20</a:t>
             </a:fld>
             <a:endParaRPr lang="en-US"/>
           </a:p>
@@ -1675,7 +1589,7 @@
           <a:lstStyle/>
           <a:p>
             <a:r>
-              <a:rPr lang="en-US" smtClean="0"/>
+              <a:rPr lang="en-US"/>
               <a:t>Click to edit Master title style</a:t>
             </a:r>
             <a:endParaRPr lang="en-US" dirty="0"/>
@@ -1704,35 +1618,35 @@
           <a:p>
             <a:pPr lvl="0"/>
             <a:r>
-              <a:rPr lang="en-US" smtClean="0"/>
+              <a:rPr lang="en-US"/>
               <a:t>Click to edit Master text styles</a:t>
             </a:r>
           </a:p>
           <a:p>
             <a:pPr lvl="1"/>
             <a:r>
-              <a:rPr lang="en-US" smtClean="0"/>
+              <a:rPr lang="en-US"/>
               <a:t>Second level</a:t>
             </a:r>
           </a:p>
           <a:p>
             <a:pPr lvl="2"/>
             <a:r>
-              <a:rPr lang="en-US" smtClean="0"/>
+              <a:rPr lang="en-US"/>
               <a:t>Third level</a:t>
             </a:r>
           </a:p>
           <a:p>
             <a:pPr lvl="3"/>
             <a:r>
-              <a:rPr lang="en-US" smtClean="0"/>
+              <a:rPr lang="en-US"/>
               <a:t>Fourth level</a:t>
             </a:r>
           </a:p>
           <a:p>
             <a:pPr lvl="4"/>
             <a:r>
-              <a:rPr lang="en-US" smtClean="0"/>
+              <a:rPr lang="en-US"/>
               <a:t>Fifth level</a:t>
             </a:r>
             <a:endParaRPr lang="en-US" dirty="0"/>
@@ -1756,7 +1670,7 @@
           <a:p>
             <a:fld id="{A2C3BA15-1D5A-2649-BA38-871E708825AD}" type="datetime1">
               <a:rPr lang="en-US" smtClean="0"/>
-              <a:t>9/7/16</a:t>
+              <a:t>9/6/20</a:t>
             </a:fld>
             <a:endParaRPr lang="en-US"/>
           </a:p>
@@ -1856,7 +1770,7 @@
           <a:lstStyle/>
           <a:p>
             <a:r>
-              <a:rPr lang="en-US" smtClean="0"/>
+              <a:rPr lang="en-US"/>
               <a:t>Click to edit Master title style</a:t>
             </a:r>
             <a:endParaRPr lang="en-US" dirty="0"/>
@@ -1880,35 +1794,35 @@
           <a:p>
             <a:pPr lvl="0"/>
             <a:r>
-              <a:rPr lang="en-US" smtClean="0"/>
+              <a:rPr lang="en-US"/>
               <a:t>Click to edit Master text styles</a:t>
             </a:r>
           </a:p>
           <a:p>
             <a:pPr lvl="1"/>
             <a:r>
-              <a:rPr lang="en-US" smtClean="0"/>
+              <a:rPr lang="en-US"/>
               <a:t>Second level</a:t>
             </a:r>
           </a:p>
           <a:p>
             <a:pPr lvl="2"/>
             <a:r>
-              <a:rPr lang="en-US" smtClean="0"/>
+              <a:rPr lang="en-US"/>
               <a:t>Third level</a:t>
             </a:r>
           </a:p>
           <a:p>
             <a:pPr lvl="3"/>
             <a:r>
-              <a:rPr lang="en-US" smtClean="0"/>
+              <a:rPr lang="en-US"/>
               <a:t>Fourth level</a:t>
             </a:r>
           </a:p>
           <a:p>
             <a:pPr lvl="4"/>
             <a:r>
-              <a:rPr lang="en-US" smtClean="0"/>
+              <a:rPr lang="en-US"/>
               <a:t>Fifth level</a:t>
             </a:r>
             <a:endParaRPr lang="en-US" dirty="0"/>
@@ -1932,7 +1846,7 @@
           <a:p>
             <a:fld id="{D633B74A-4A49-0B43-8EA5-C9D0E37154E8}" type="datetime1">
               <a:rPr lang="en-US" smtClean="0"/>
-              <a:t>9/7/16</a:t>
+              <a:t>9/6/20</a:t>
             </a:fld>
             <a:endParaRPr lang="en-US"/>
           </a:p>
@@ -2041,7 +1955,7 @@
           </a:lstStyle>
           <a:p>
             <a:r>
-              <a:rPr lang="en-US" smtClean="0"/>
+              <a:rPr lang="en-US"/>
               <a:t>Click to edit Master title style</a:t>
             </a:r>
             <a:endParaRPr lang="en-US" dirty="0"/>
@@ -2164,7 +2078,7 @@
           <a:p>
             <a:pPr lvl="0"/>
             <a:r>
-              <a:rPr lang="en-US" smtClean="0"/>
+              <a:rPr lang="en-US"/>
               <a:t>Click to edit Master text styles</a:t>
             </a:r>
           </a:p>
@@ -2187,7 +2101,7 @@
           <a:p>
             <a:fld id="{0B758CB2-5D7A-A348-BF2A-0FD957E74D15}" type="datetime1">
               <a:rPr lang="en-US" smtClean="0"/>
-              <a:t>9/7/16</a:t>
+              <a:t>9/6/20</a:t>
             </a:fld>
             <a:endParaRPr lang="en-US"/>
           </a:p>
@@ -2325,7 +2239,7 @@
           <a:lstStyle/>
           <a:p>
             <a:r>
-              <a:rPr lang="en-US" smtClean="0"/>
+              <a:rPr lang="en-US"/>
               <a:t>Click to edit Master title style</a:t>
             </a:r>
             <a:endParaRPr lang="en-US" dirty="0"/>
@@ -2382,35 +2296,35 @@
           <a:p>
             <a:pPr lvl="0"/>
             <a:r>
-              <a:rPr lang="en-US" smtClean="0"/>
+              <a:rPr lang="en-US"/>
               <a:t>Click to edit Master text styles</a:t>
             </a:r>
           </a:p>
           <a:p>
             <a:pPr lvl="1"/>
             <a:r>
-              <a:rPr lang="en-US" smtClean="0"/>
+              <a:rPr lang="en-US"/>
               <a:t>Second level</a:t>
             </a:r>
           </a:p>
           <a:p>
             <a:pPr lvl="2"/>
             <a:r>
-              <a:rPr lang="en-US" smtClean="0"/>
+              <a:rPr lang="en-US"/>
               <a:t>Third level</a:t>
             </a:r>
           </a:p>
           <a:p>
             <a:pPr lvl="3"/>
             <a:r>
-              <a:rPr lang="en-US" smtClean="0"/>
+              <a:rPr lang="en-US"/>
               <a:t>Fourth level</a:t>
             </a:r>
           </a:p>
           <a:p>
             <a:pPr lvl="4"/>
             <a:r>
-              <a:rPr lang="en-US" smtClean="0"/>
+              <a:rPr lang="en-US"/>
               <a:t>Fifth level</a:t>
             </a:r>
             <a:endParaRPr lang="en-US" dirty="0"/>
@@ -2467,35 +2381,35 @@
           <a:p>
             <a:pPr lvl="0"/>
             <a:r>
-              <a:rPr lang="en-US" smtClean="0"/>
+              <a:rPr lang="en-US"/>
               <a:t>Click to edit Master text styles</a:t>
             </a:r>
           </a:p>
           <a:p>
             <a:pPr lvl="1"/>
             <a:r>
-              <a:rPr lang="en-US" smtClean="0"/>
+              <a:rPr lang="en-US"/>
               <a:t>Second level</a:t>
             </a:r>
           </a:p>
           <a:p>
             <a:pPr lvl="2"/>
             <a:r>
-              <a:rPr lang="en-US" smtClean="0"/>
+              <a:rPr lang="en-US"/>
               <a:t>Third level</a:t>
             </a:r>
           </a:p>
           <a:p>
             <a:pPr lvl="3"/>
             <a:r>
-              <a:rPr lang="en-US" smtClean="0"/>
+              <a:rPr lang="en-US"/>
               <a:t>Fourth level</a:t>
             </a:r>
           </a:p>
           <a:p>
             <a:pPr lvl="4"/>
             <a:r>
-              <a:rPr lang="en-US" smtClean="0"/>
+              <a:rPr lang="en-US"/>
               <a:t>Fifth level</a:t>
             </a:r>
             <a:endParaRPr lang="en-US" dirty="0"/>
@@ -2519,7 +2433,7 @@
           <a:p>
             <a:fld id="{13175A36-E553-AA47-A33E-BFB504071D85}" type="datetime1">
               <a:rPr lang="en-US" smtClean="0"/>
-              <a:t>9/7/16</a:t>
+              <a:t>9/6/20</a:t>
             </a:fld>
             <a:endParaRPr lang="en-US"/>
           </a:p>
@@ -2614,7 +2528,7 @@
           <a:lstStyle/>
           <a:p>
             <a:r>
-              <a:rPr lang="en-US" smtClean="0"/>
+              <a:rPr lang="en-US"/>
               <a:t>Click to edit Master title style</a:t>
             </a:r>
             <a:endParaRPr lang="en-US" dirty="0"/>
@@ -2689,7 +2603,7 @@
           <a:p>
             <a:pPr lvl="0"/>
             <a:r>
-              <a:rPr lang="en-US" smtClean="0"/>
+              <a:rPr lang="en-US"/>
               <a:t>Click to edit Master text styles</a:t>
             </a:r>
           </a:p>
@@ -2745,35 +2659,35 @@
           <a:p>
             <a:pPr lvl="0"/>
             <a:r>
-              <a:rPr lang="en-US" smtClean="0"/>
+              <a:rPr lang="en-US"/>
               <a:t>Click to edit Master text styles</a:t>
             </a:r>
           </a:p>
           <a:p>
             <a:pPr lvl="1"/>
             <a:r>
-              <a:rPr lang="en-US" smtClean="0"/>
+              <a:rPr lang="en-US"/>
               <a:t>Second level</a:t>
             </a:r>
           </a:p>
           <a:p>
             <a:pPr lvl="2"/>
             <a:r>
-              <a:rPr lang="en-US" smtClean="0"/>
+              <a:rPr lang="en-US"/>
               <a:t>Third level</a:t>
             </a:r>
           </a:p>
           <a:p>
             <a:pPr lvl="3"/>
             <a:r>
-              <a:rPr lang="en-US" smtClean="0"/>
+              <a:rPr lang="en-US"/>
               <a:t>Fourth level</a:t>
             </a:r>
           </a:p>
           <a:p>
             <a:pPr lvl="4"/>
             <a:r>
-              <a:rPr lang="en-US" smtClean="0"/>
+              <a:rPr lang="en-US"/>
               <a:t>Fifth level</a:t>
             </a:r>
             <a:endParaRPr lang="en-US" dirty="0"/>
@@ -2832,7 +2746,7 @@
               <a:buNone/>
             </a:pPr>
             <a:r>
-              <a:rPr lang="en-US" smtClean="0"/>
+              <a:rPr lang="en-US"/>
               <a:t>Click to edit Master text styles</a:t>
             </a:r>
           </a:p>
@@ -2888,35 +2802,35 @@
           <a:p>
             <a:pPr lvl="0"/>
             <a:r>
-              <a:rPr lang="en-US" smtClean="0"/>
+              <a:rPr lang="en-US"/>
               <a:t>Click to edit Master text styles</a:t>
             </a:r>
           </a:p>
           <a:p>
             <a:pPr lvl="1"/>
             <a:r>
-              <a:rPr lang="en-US" smtClean="0"/>
+              <a:rPr lang="en-US"/>
               <a:t>Second level</a:t>
             </a:r>
           </a:p>
           <a:p>
             <a:pPr lvl="2"/>
             <a:r>
-              <a:rPr lang="en-US" smtClean="0"/>
+              <a:rPr lang="en-US"/>
               <a:t>Third level</a:t>
             </a:r>
           </a:p>
           <a:p>
             <a:pPr lvl="3"/>
             <a:r>
-              <a:rPr lang="en-US" smtClean="0"/>
+              <a:rPr lang="en-US"/>
               <a:t>Fourth level</a:t>
             </a:r>
           </a:p>
           <a:p>
             <a:pPr lvl="4"/>
             <a:r>
-              <a:rPr lang="en-US" smtClean="0"/>
+              <a:rPr lang="en-US"/>
               <a:t>Fifth level</a:t>
             </a:r>
             <a:endParaRPr lang="en-US" dirty="0"/>
@@ -2940,7 +2854,7 @@
           <a:p>
             <a:fld id="{600960A9-C290-AC41-AB71-C84CB1AE5D73}" type="datetime1">
               <a:rPr lang="en-US" smtClean="0"/>
-              <a:t>9/7/16</a:t>
+              <a:t>9/6/20</a:t>
             </a:fld>
             <a:endParaRPr lang="en-US"/>
           </a:p>
@@ -3035,7 +2949,7 @@
           <a:lstStyle/>
           <a:p>
             <a:r>
-              <a:rPr lang="en-US" smtClean="0"/>
+              <a:rPr lang="en-US"/>
               <a:t>Click to edit Master title style</a:t>
             </a:r>
             <a:endParaRPr lang="en-US" dirty="0"/>
@@ -3059,7 +2973,7 @@
           <a:p>
             <a:fld id="{E305FC5F-EAEA-994B-B718-421A5F738C89}" type="datetime1">
               <a:rPr lang="en-US" smtClean="0"/>
-              <a:t>9/7/16</a:t>
+              <a:t>9/6/20</a:t>
             </a:fld>
             <a:endParaRPr lang="en-US"/>
           </a:p>
@@ -3155,7 +3069,7 @@
           <a:p>
             <a:fld id="{0F94B73F-5B9C-F24B-B486-25F0F206A017}" type="datetime1">
               <a:rPr lang="en-US" smtClean="0"/>
-              <a:t>9/7/16</a:t>
+              <a:t>9/6/20</a:t>
             </a:fld>
             <a:endParaRPr lang="en-US"/>
           </a:p>
@@ -3266,7 +3180,7 @@
           </a:lstStyle>
           <a:p>
             <a:r>
-              <a:rPr lang="en-US" smtClean="0"/>
+              <a:rPr lang="en-US"/>
               <a:t>Click to edit Master title style</a:t>
             </a:r>
             <a:endParaRPr lang="en-US" dirty="0"/>
@@ -3323,35 +3237,35 @@
           <a:p>
             <a:pPr lvl="0"/>
             <a:r>
-              <a:rPr lang="en-US" smtClean="0"/>
+              <a:rPr lang="en-US"/>
               <a:t>Click to edit Master text styles</a:t>
             </a:r>
           </a:p>
           <a:p>
             <a:pPr lvl="1"/>
             <a:r>
-              <a:rPr lang="en-US" smtClean="0"/>
+              <a:rPr lang="en-US"/>
               <a:t>Second level</a:t>
             </a:r>
           </a:p>
           <a:p>
             <a:pPr lvl="2"/>
             <a:r>
-              <a:rPr lang="en-US" smtClean="0"/>
+              <a:rPr lang="en-US"/>
               <a:t>Third level</a:t>
             </a:r>
           </a:p>
           <a:p>
             <a:pPr lvl="3"/>
             <a:r>
-              <a:rPr lang="en-US" smtClean="0"/>
+              <a:rPr lang="en-US"/>
               <a:t>Fourth level</a:t>
             </a:r>
           </a:p>
           <a:p>
             <a:pPr lvl="4"/>
             <a:r>
-              <a:rPr lang="en-US" smtClean="0"/>
+              <a:rPr lang="en-US"/>
               <a:t>Fifth level</a:t>
             </a:r>
             <a:endParaRPr lang="en-US" dirty="0"/>
@@ -3425,7 +3339,7 @@
           <a:p>
             <a:pPr lvl="0"/>
             <a:r>
-              <a:rPr lang="en-US" smtClean="0"/>
+              <a:rPr lang="en-US"/>
               <a:t>Click to edit Master text styles</a:t>
             </a:r>
           </a:p>
@@ -3448,7 +3362,7 @@
           <a:p>
             <a:fld id="{AB68942B-58BF-9246-A50F-D8D25B9646E0}" type="datetime1">
               <a:rPr lang="en-US" smtClean="0"/>
-              <a:t>9/7/16</a:t>
+              <a:t>9/6/20</a:t>
             </a:fld>
             <a:endParaRPr lang="en-US"/>
           </a:p>
@@ -3601,7 +3515,7 @@
           </a:lstStyle>
           <a:p>
             <a:r>
-              <a:rPr lang="en-US" smtClean="0"/>
+              <a:rPr lang="en-US"/>
               <a:t>Click to edit Master title style</a:t>
             </a:r>
             <a:endParaRPr lang="en-US" dirty="0"/>
@@ -3676,7 +3590,7 @@
           </a:lstStyle>
           <a:p>
             <a:r>
-              <a:rPr lang="en-US" smtClean="0"/>
+              <a:rPr lang="en-US"/>
               <a:t>Drag picture to placeholder or click icon to add</a:t>
             </a:r>
             <a:endParaRPr lang="en-US" dirty="0"/>
@@ -3756,7 +3670,7 @@
           <a:p>
             <a:pPr lvl="0"/>
             <a:r>
-              <a:rPr lang="en-US" smtClean="0"/>
+              <a:rPr lang="en-US"/>
               <a:t>Click to edit Master text styles</a:t>
             </a:r>
           </a:p>
@@ -3779,7 +3693,7 @@
           <a:p>
             <a:fld id="{D51FAFC3-9C2B-7C44-B559-1B8BEDEB77CC}" type="datetime1">
               <a:rPr lang="en-US" smtClean="0"/>
-              <a:t>9/7/16</a:t>
+              <a:t>9/6/20</a:t>
             </a:fld>
             <a:endParaRPr lang="en-US"/>
           </a:p>
@@ -3929,7 +3843,7 @@
           <a:lstStyle/>
           <a:p>
             <a:r>
-              <a:rPr lang="en-US" smtClean="0"/>
+              <a:rPr lang="en-US"/>
               <a:t>Click to edit Master title style</a:t>
             </a:r>
             <a:endParaRPr lang="en-US" dirty="0"/>
@@ -3963,35 +3877,35 @@
           <a:p>
             <a:pPr lvl="0"/>
             <a:r>
-              <a:rPr lang="en-US" smtClean="0"/>
+              <a:rPr lang="en-US"/>
               <a:t>Click to edit Master text styles</a:t>
             </a:r>
           </a:p>
           <a:p>
             <a:pPr lvl="1"/>
             <a:r>
-              <a:rPr lang="en-US" smtClean="0"/>
+              <a:rPr lang="en-US"/>
               <a:t>Second level</a:t>
             </a:r>
           </a:p>
           <a:p>
             <a:pPr lvl="2"/>
             <a:r>
-              <a:rPr lang="en-US" smtClean="0"/>
+              <a:rPr lang="en-US"/>
               <a:t>Third level</a:t>
             </a:r>
           </a:p>
           <a:p>
             <a:pPr lvl="3"/>
             <a:r>
-              <a:rPr lang="en-US" smtClean="0"/>
+              <a:rPr lang="en-US"/>
               <a:t>Fourth level</a:t>
             </a:r>
           </a:p>
           <a:p>
             <a:pPr lvl="4"/>
             <a:r>
-              <a:rPr lang="en-US" smtClean="0"/>
+              <a:rPr lang="en-US"/>
               <a:t>Fifth level</a:t>
             </a:r>
             <a:endParaRPr lang="en-US" dirty="0"/>
@@ -4034,7 +3948,7 @@
           <a:p>
             <a:fld id="{042A9FB8-B2C3-FC49-B7FF-EAA4287219B7}" type="datetime1">
               <a:rPr lang="en-US" smtClean="0"/>
-              <a:t>9/7/16</a:t>
+              <a:t>9/6/20</a:t>
             </a:fld>
             <a:endParaRPr lang="en-US"/>
           </a:p>
@@ -4547,11 +4461,11 @@
           <a:lstStyle/>
           <a:p>
             <a:r>
-              <a:rPr lang="en-US" dirty="0" smtClean="0"/>
+              <a:rPr lang="en-US" dirty="0"/>
               <a:t>CSE 220 – C Programming</a:t>
             </a:r>
             <a:br>
-              <a:rPr lang="en-US" dirty="0" smtClean="0"/>
+              <a:rPr lang="en-US" dirty="0"/>
             </a:br>
             <a:endParaRPr lang="en-US" dirty="0"/>
           </a:p>
@@ -4573,18 +4487,13 @@
           <a:lstStyle/>
           <a:p>
             <a:r>
-              <a:rPr lang="en-US" dirty="0" smtClean="0">
+              <a:rPr lang="en-US" dirty="0">
                 <a:solidFill>
                   <a:schemeClr val="tx1"/>
                 </a:solidFill>
               </a:rPr>
               <a:t>C Fundamentals</a:t>
             </a:r>
-            <a:endParaRPr lang="en-US" dirty="0">
-              <a:solidFill>
-                <a:schemeClr val="tx1"/>
-              </a:solidFill>
-            </a:endParaRPr>
           </a:p>
         </p:txBody>
       </p:sp>
@@ -4593,13 +4502,6 @@
   <p:clrMapOvr>
     <a:masterClrMapping/>
   </p:clrMapOvr>
-  <p:timing>
-    <p:tnLst>
-      <p:par>
-        <p:cTn id="1" dur="indefinite" restart="never" nodeType="tmRoot"/>
-      </p:par>
-    </p:tnLst>
-  </p:timing>
 </p:sld>
 </file>
 
@@ -4636,10 +4538,9 @@
           <a:lstStyle/>
           <a:p>
             <a:r>
-              <a:rPr lang="en-US" dirty="0" smtClean="0"/>
+              <a:rPr lang="en-US" dirty="0"/>
               <a:t>Examples</a:t>
             </a:r>
-            <a:endParaRPr lang="en-US" dirty="0"/>
           </a:p>
         </p:txBody>
       </p:sp>
@@ -4673,7 +4574,7 @@
               <a:buNone/>
             </a:pPr>
             <a:r>
-              <a:rPr lang="en-US" sz="2800" i="1" dirty="0" smtClean="0">
+              <a:rPr lang="en-US" sz="2800" i="1" dirty="0">
                 <a:solidFill>
                   <a:srgbClr val="000099"/>
                 </a:solidFill>
@@ -4740,19 +4641,19 @@
               <a:buNone/>
             </a:pPr>
             <a:r>
-              <a:rPr lang="en-US" sz="2800" dirty="0" smtClean="0">
+              <a:rPr lang="en-US" sz="2800" dirty="0">
                 <a:latin typeface="Arial Narrow" pitchFamily="34" charset="0"/>
               </a:rPr>
               <a:t>#include &lt;</a:t>
             </a:r>
             <a:r>
-              <a:rPr lang="en-US" sz="2800" dirty="0" err="1" smtClean="0">
+              <a:rPr lang="en-US" sz="2800" dirty="0" err="1">
                 <a:latin typeface="Arial Narrow" pitchFamily="34" charset="0"/>
               </a:rPr>
               <a:t>stdlib.h</a:t>
             </a:r>
             <a:r>
-              <a:rPr lang="en-US" sz="2800" dirty="0" smtClean="0">
+              <a:rPr lang="en-US" sz="2800" dirty="0">
                 <a:latin typeface="Arial Narrow" pitchFamily="34" charset="0"/>
               </a:rPr>
               <a:t>&gt; </a:t>
@@ -4763,7 +4664,7 @@
               <a:buNone/>
             </a:pPr>
             <a:r>
-              <a:rPr lang="en-US" sz="2800" dirty="0" smtClean="0">
+              <a:rPr lang="en-US" sz="2800" dirty="0">
                 <a:latin typeface="Arial Narrow" pitchFamily="34" charset="0"/>
               </a:rPr>
               <a:t>#define RATE 0.8</a:t>
@@ -4773,20 +4674,6 @@
             <a:pPr>
               <a:buNone/>
             </a:pPr>
-            <a:endParaRPr lang="en-US" sz="2800" dirty="0" smtClean="0">
-              <a:latin typeface="Arial Narrow" pitchFamily="34" charset="0"/>
-            </a:endParaRPr>
-          </a:p>
-          <a:p>
-            <a:pPr>
-              <a:buNone/>
-            </a:pPr>
-            <a:r>
-              <a:rPr lang="en-US" sz="2800" dirty="0" smtClean="0">
-                <a:latin typeface="Arial Narrow" pitchFamily="34" charset="0"/>
-              </a:rPr>
-              <a:t>…    …    ….</a:t>
-            </a:r>
             <a:endParaRPr lang="en-US" sz="2800" dirty="0">
               <a:latin typeface="Arial Narrow" pitchFamily="34" charset="0"/>
             </a:endParaRPr>
@@ -4795,7 +4682,18 @@
             <a:pPr>
               <a:buNone/>
             </a:pPr>
-            <a:endParaRPr lang="en-US" sz="2800" dirty="0" smtClean="0">
+            <a:r>
+              <a:rPr lang="en-US" sz="2800" dirty="0">
+                <a:latin typeface="Arial Narrow" pitchFamily="34" charset="0"/>
+              </a:rPr>
+              <a:t>…    …    ….</a:t>
+            </a:r>
+          </a:p>
+          <a:p>
+            <a:pPr>
+              <a:buNone/>
+            </a:pPr>
+            <a:endParaRPr lang="en-US" sz="2800" dirty="0">
               <a:latin typeface="Arial Narrow" pitchFamily="34" charset="0"/>
             </a:endParaRPr>
           </a:p>
@@ -4804,7 +4702,7 @@
               <a:buNone/>
             </a:pPr>
             <a:r>
-              <a:rPr lang="en-US" sz="2800" dirty="0" smtClean="0">
+              <a:rPr lang="en-US" sz="2800" dirty="0">
                 <a:latin typeface="Arial Narrow" pitchFamily="34" charset="0"/>
               </a:rPr>
               <a:t>y = 2x + 5;</a:t>
@@ -4815,7 +4713,7 @@
               <a:buNone/>
             </a:pPr>
             <a:r>
-              <a:rPr lang="en-US" sz="2800" dirty="0" smtClean="0">
+              <a:rPr lang="en-US" sz="2800" dirty="0">
                 <a:latin typeface="Arial Narrow" pitchFamily="34" charset="0"/>
               </a:rPr>
               <a:t>area = width * height;</a:t>
@@ -4826,7 +4724,7 @@
               <a:buNone/>
             </a:pPr>
             <a:r>
-              <a:rPr lang="en-US" sz="2800" dirty="0" smtClean="0">
+              <a:rPr lang="en-US" sz="2800" dirty="0">
                 <a:latin typeface="Arial Narrow" pitchFamily="34" charset="0"/>
               </a:rPr>
               <a:t>guess = rand();</a:t>
@@ -4837,7 +4735,7 @@
               <a:buNone/>
             </a:pPr>
             <a:r>
-              <a:rPr lang="en-US" sz="2800" dirty="0" smtClean="0">
+              <a:rPr lang="en-US" sz="2800" dirty="0">
                 <a:latin typeface="Arial Narrow" pitchFamily="34" charset="0"/>
               </a:rPr>
               <a:t>rand();</a:t>
@@ -4875,7 +4773,7 @@
               <a:buNone/>
             </a:pPr>
             <a:r>
-              <a:rPr lang="en-US" sz="2800" i="1" dirty="0" smtClean="0">
+              <a:rPr lang="en-US" sz="2800" i="1" dirty="0">
                 <a:solidFill>
                   <a:srgbClr val="000099"/>
                 </a:solidFill>
@@ -4902,13 +4800,6 @@
   <p:clrMapOvr>
     <a:masterClrMapping/>
   </p:clrMapOvr>
-  <p:timing>
-    <p:tnLst>
-      <p:par>
-        <p:cTn id="1" dur="indefinite" restart="never" nodeType="tmRoot"/>
-      </p:par>
-    </p:tnLst>
-  </p:timing>
 </p:sld>
 </file>
 
@@ -4945,10 +4836,9 @@
           <a:lstStyle/>
           <a:p>
             <a:r>
-              <a:rPr lang="en-US" dirty="0" smtClean="0"/>
+              <a:rPr lang="en-US" dirty="0"/>
               <a:t>Fundamentals of C</a:t>
             </a:r>
-            <a:endParaRPr lang="en-US" dirty="0"/>
           </a:p>
         </p:txBody>
       </p:sp>
@@ -4978,13 +4868,13 @@
               <a:buNone/>
             </a:pPr>
             <a:r>
-              <a:rPr lang="en-US" sz="2000" dirty="0" smtClean="0"/>
+              <a:rPr lang="en-US" sz="2000" dirty="0"/>
               <a:t>The main function:</a:t>
             </a:r>
           </a:p>
           <a:p>
             <a:r>
-              <a:rPr lang="en-US" sz="2000" dirty="0" smtClean="0">
+              <a:rPr lang="en-US" sz="2000" dirty="0">
                 <a:solidFill>
                   <a:srgbClr val="FF0000"/>
                 </a:solidFill>
@@ -4992,13 +4882,13 @@
               <a:t>main:</a:t>
             </a:r>
             <a:r>
-              <a:rPr lang="en-US" sz="2000" dirty="0" smtClean="0"/>
+              <a:rPr lang="en-US" sz="2000" dirty="0"/>
               <a:t> function, returns a value</a:t>
             </a:r>
           </a:p>
           <a:p>
             <a:r>
-              <a:rPr lang="en-US" sz="2000" dirty="0" err="1" smtClean="0">
+              <a:rPr lang="en-US" sz="2000" dirty="0" err="1">
                 <a:solidFill>
                   <a:srgbClr val="FF0000"/>
                 </a:solidFill>
@@ -5006,7 +4896,7 @@
               <a:t>int</a:t>
             </a:r>
             <a:r>
-              <a:rPr lang="en-US" sz="2000" dirty="0" smtClean="0">
+              <a:rPr lang="en-US" sz="2000" dirty="0">
                 <a:solidFill>
                   <a:srgbClr val="FF0000"/>
                 </a:solidFill>
@@ -5014,13 +4904,13 @@
               <a:t>:</a:t>
             </a:r>
             <a:r>
-              <a:rPr lang="en-US" sz="2000" dirty="0" smtClean="0"/>
+              <a:rPr lang="en-US" sz="2000" dirty="0"/>
               <a:t> return value is an integer</a:t>
             </a:r>
           </a:p>
           <a:p>
             <a:r>
-              <a:rPr lang="en-US" sz="2000" dirty="0" smtClean="0">
+              <a:rPr lang="en-US" sz="2000" dirty="0">
                 <a:solidFill>
                   <a:srgbClr val="FF0000"/>
                 </a:solidFill>
@@ -5028,13 +4918,13 @@
               <a:t>void:</a:t>
             </a:r>
             <a:r>
-              <a:rPr lang="en-US" sz="2000" dirty="0" smtClean="0"/>
+              <a:rPr lang="en-US" sz="2000" dirty="0"/>
               <a:t> main does not take any arguments</a:t>
             </a:r>
           </a:p>
           <a:p>
             <a:r>
-              <a:rPr lang="en-US" sz="2000" dirty="0" smtClean="0">
+              <a:rPr lang="en-US" sz="2000" dirty="0">
                 <a:solidFill>
                   <a:srgbClr val="FF0000"/>
                 </a:solidFill>
@@ -5042,13 +4932,13 @@
               <a:t>return:</a:t>
             </a:r>
             <a:r>
-              <a:rPr lang="en-US" sz="2000" dirty="0" smtClean="0"/>
+              <a:rPr lang="en-US" sz="2000" dirty="0"/>
               <a:t> terminates the function, returns a value</a:t>
             </a:r>
           </a:p>
           <a:p>
             <a:r>
-              <a:rPr lang="en-US" sz="2000" dirty="0" err="1" smtClean="0">
+              <a:rPr lang="en-US" sz="2000" dirty="0" err="1">
                 <a:solidFill>
                   <a:srgbClr val="FF0000"/>
                 </a:solidFill>
@@ -5056,18 +4946,17 @@
               <a:t>printf</a:t>
             </a:r>
             <a:r>
-              <a:rPr lang="en-US" sz="2000" dirty="0" smtClean="0"/>
+              <a:rPr lang="en-US" sz="2000" dirty="0"/>
               <a:t>: a call to function </a:t>
             </a:r>
             <a:r>
-              <a:rPr lang="en-US" sz="2000" dirty="0" err="1" smtClean="0"/>
+              <a:rPr lang="en-US" sz="2000" dirty="0" err="1"/>
               <a:t>printf</a:t>
             </a:r>
             <a:r>
-              <a:rPr lang="en-US" sz="2000" dirty="0" smtClean="0"/>
+              <a:rPr lang="en-US" sz="2000" dirty="0"/>
               <a:t> </a:t>
             </a:r>
-            <a:endParaRPr lang="en-US" sz="2000" dirty="0"/>
           </a:p>
         </p:txBody>
       </p:sp>
@@ -5103,7 +4992,7 @@
               <a:buNone/>
             </a:pPr>
             <a:r>
-              <a:rPr lang="en-US" sz="2400" i="1" dirty="0" smtClean="0">
+              <a:rPr lang="en-US" sz="2400" i="1" dirty="0">
                 <a:latin typeface="Arial Narrow" pitchFamily="34" charset="0"/>
               </a:rPr>
               <a:t>directives</a:t>
@@ -5114,7 +5003,7 @@
               <a:buNone/>
             </a:pPr>
             <a:r>
-              <a:rPr lang="en-US" sz="2400" b="1" dirty="0" smtClean="0">
+              <a:rPr lang="en-US" sz="2400" b="1" dirty="0">
                 <a:solidFill>
                   <a:schemeClr val="accent1">
                     <a:lumMod val="75000"/>
@@ -5125,7 +5014,7 @@
               <a:t> </a:t>
             </a:r>
             <a:r>
-              <a:rPr lang="en-US" sz="2400" b="1" dirty="0" err="1" smtClean="0">
+              <a:rPr lang="en-US" sz="2400" b="1" dirty="0" err="1">
                 <a:solidFill>
                   <a:schemeClr val="accent1">
                     <a:lumMod val="75000"/>
@@ -5136,7 +5025,7 @@
               <a:t>int</a:t>
             </a:r>
             <a:r>
-              <a:rPr lang="en-US" sz="2400" b="1" dirty="0" smtClean="0">
+              <a:rPr lang="en-US" sz="2400" b="1" dirty="0">
                 <a:solidFill>
                   <a:schemeClr val="accent1">
                     <a:lumMod val="75000"/>
@@ -5152,13 +5041,13 @@
               <a:buNone/>
             </a:pPr>
             <a:r>
-              <a:rPr lang="en-US" sz="2400" dirty="0" smtClean="0">
+              <a:rPr lang="en-US" sz="2400" dirty="0">
                 <a:latin typeface="Arial Narrow" pitchFamily="34" charset="0"/>
               </a:rPr>
               <a:t>     </a:t>
             </a:r>
             <a:r>
-              <a:rPr lang="en-US" sz="2400" i="1" dirty="0" smtClean="0">
+              <a:rPr lang="en-US" sz="2400" i="1" dirty="0">
                 <a:latin typeface="Arial Narrow" pitchFamily="34" charset="0"/>
               </a:rPr>
               <a:t>statements</a:t>
@@ -5169,13 +5058,13 @@
               <a:buNone/>
             </a:pPr>
             <a:r>
-              <a:rPr lang="en-US" sz="2400" dirty="0" smtClean="0">
+              <a:rPr lang="en-US" sz="2400" dirty="0">
                 <a:latin typeface="Arial Narrow" pitchFamily="34" charset="0"/>
               </a:rPr>
               <a:t> </a:t>
             </a:r>
             <a:r>
-              <a:rPr lang="en-US" sz="2400" b="1" dirty="0" smtClean="0">
+              <a:rPr lang="en-US" sz="2400" b="1" dirty="0">
                 <a:solidFill>
                   <a:schemeClr val="accent1">
                     <a:lumMod val="75000"/>
@@ -5252,19 +5141,19 @@
               <a:buNone/>
             </a:pPr>
             <a:r>
-              <a:rPr lang="en-US" sz="2400" dirty="0" smtClean="0">
+              <a:rPr lang="en-US" sz="2400" dirty="0">
                 <a:latin typeface="Arial Narrow" pitchFamily="34" charset="0"/>
               </a:rPr>
               <a:t>#include &lt;</a:t>
             </a:r>
             <a:r>
-              <a:rPr lang="en-US" sz="2400" dirty="0" err="1" smtClean="0">
+              <a:rPr lang="en-US" sz="2400" dirty="0" err="1">
                 <a:latin typeface="Arial Narrow" pitchFamily="34" charset="0"/>
               </a:rPr>
               <a:t>stdio.h</a:t>
             </a:r>
             <a:r>
-              <a:rPr lang="en-US" sz="2400" dirty="0" smtClean="0">
+              <a:rPr lang="en-US" sz="2400" dirty="0">
                 <a:latin typeface="Arial Narrow" pitchFamily="34" charset="0"/>
               </a:rPr>
               <a:t>&gt; </a:t>
@@ -5275,13 +5164,13 @@
               <a:buNone/>
             </a:pPr>
             <a:r>
-              <a:rPr lang="en-US" sz="2400" dirty="0" smtClean="0">
+              <a:rPr lang="en-US" sz="2400" dirty="0">
                 <a:latin typeface="Arial Narrow" pitchFamily="34" charset="0"/>
               </a:rPr>
               <a:t> </a:t>
             </a:r>
             <a:r>
-              <a:rPr lang="en-US" sz="2400" b="1" dirty="0" err="1" smtClean="0">
+              <a:rPr lang="en-US" sz="2400" b="1" dirty="0" err="1">
                 <a:solidFill>
                   <a:schemeClr val="accent1">
                     <a:lumMod val="75000"/>
@@ -5292,7 +5181,7 @@
               <a:t>int</a:t>
             </a:r>
             <a:r>
-              <a:rPr lang="en-US" sz="2400" b="1" dirty="0" smtClean="0">
+              <a:rPr lang="en-US" sz="2400" b="1" dirty="0">
                 <a:solidFill>
                   <a:schemeClr val="accent1">
                     <a:lumMod val="75000"/>
@@ -5308,19 +5197,19 @@
               <a:buNone/>
             </a:pPr>
             <a:r>
-              <a:rPr lang="en-US" sz="2400" dirty="0" smtClean="0">
+              <a:rPr lang="en-US" sz="2400" dirty="0">
                 <a:latin typeface="Arial Narrow" pitchFamily="34" charset="0"/>
               </a:rPr>
               <a:t>     </a:t>
             </a:r>
             <a:r>
-              <a:rPr lang="en-US" sz="2400" dirty="0" err="1" smtClean="0">
+              <a:rPr lang="en-US" sz="2400" dirty="0" err="1">
                 <a:latin typeface="Arial Narrow" pitchFamily="34" charset="0"/>
               </a:rPr>
               <a:t>printf</a:t>
             </a:r>
             <a:r>
-              <a:rPr lang="en-US" sz="2400" dirty="0" smtClean="0">
+              <a:rPr lang="en-US" sz="2400" dirty="0">
                 <a:latin typeface="Arial Narrow" pitchFamily="34" charset="0"/>
               </a:rPr>
               <a:t>(“Hello World!\n”);</a:t>
@@ -5331,7 +5220,7 @@
               <a:buNone/>
             </a:pPr>
             <a:r>
-              <a:rPr lang="en-US" sz="2400" dirty="0" smtClean="0">
+              <a:rPr lang="en-US" sz="2400" dirty="0">
                 <a:latin typeface="Arial Narrow" pitchFamily="34" charset="0"/>
               </a:rPr>
               <a:t>     return 0;</a:t>
@@ -5342,13 +5231,13 @@
               <a:buNone/>
             </a:pPr>
             <a:r>
-              <a:rPr lang="en-US" sz="2400" dirty="0" smtClean="0">
+              <a:rPr lang="en-US" sz="2400" dirty="0">
                 <a:latin typeface="Arial Narrow" pitchFamily="34" charset="0"/>
               </a:rPr>
               <a:t>  </a:t>
             </a:r>
             <a:r>
-              <a:rPr lang="en-US" sz="2400" b="1" dirty="0" smtClean="0">
+              <a:rPr lang="en-US" sz="2400" b="1" dirty="0">
                 <a:solidFill>
                   <a:schemeClr val="accent1">
                     <a:lumMod val="75000"/>
@@ -5499,13 +5388,6 @@
   <p:clrMapOvr>
     <a:masterClrMapping/>
   </p:clrMapOvr>
-  <p:timing>
-    <p:tnLst>
-      <p:par>
-        <p:cTn id="1" dur="indefinite" restart="never" nodeType="tmRoot"/>
-      </p:par>
-    </p:tnLst>
-  </p:timing>
 </p:sld>
 </file>
 
@@ -5542,10 +5424,9 @@
           <a:lstStyle/>
           <a:p>
             <a:r>
-              <a:rPr lang="en-US" dirty="0" smtClean="0"/>
+              <a:rPr lang="en-US" dirty="0"/>
               <a:t>Calling a function</a:t>
             </a:r>
-            <a:endParaRPr lang="en-US" dirty="0"/>
           </a:p>
         </p:txBody>
       </p:sp>
@@ -5570,18 +5451,18 @@
           <a:lstStyle/>
           <a:p>
             <a:r>
-              <a:rPr lang="en-US" dirty="0" smtClean="0"/>
+              <a:rPr lang="en-US" dirty="0"/>
               <a:t>Functions have four parts:</a:t>
             </a:r>
           </a:p>
           <a:p>
             <a:pPr lvl="1"/>
             <a:r>
-              <a:rPr lang="en-US" dirty="0" smtClean="0"/>
+              <a:rPr lang="en-US" dirty="0"/>
               <a:t>A name (e.g. </a:t>
             </a:r>
             <a:r>
-              <a:rPr lang="en-US" dirty="0" err="1" smtClean="0">
+              <a:rPr lang="en-US" dirty="0" err="1">
                 <a:latin typeface="Consolas" charset="0"/>
                 <a:ea typeface="Consolas" charset="0"/>
                 <a:cs typeface="Consolas" charset="0"/>
@@ -5589,40 +5470,40 @@
               <a:t>printf</a:t>
             </a:r>
             <a:r>
-              <a:rPr lang="en-US" dirty="0" smtClean="0"/>
+              <a:rPr lang="en-US" dirty="0"/>
               <a:t>)</a:t>
             </a:r>
           </a:p>
           <a:p>
             <a:pPr lvl="1"/>
             <a:r>
-              <a:rPr lang="en-US" dirty="0" smtClean="0"/>
+              <a:rPr lang="en-US" dirty="0"/>
               <a:t>A body, which is a series of statements that run when a function is called</a:t>
             </a:r>
           </a:p>
           <a:p>
             <a:pPr lvl="1"/>
             <a:r>
-              <a:rPr lang="en-US" dirty="0" smtClean="0"/>
+              <a:rPr lang="en-US" dirty="0"/>
               <a:t>An argument list that gives information to a function</a:t>
             </a:r>
           </a:p>
           <a:p>
             <a:pPr lvl="1"/>
             <a:r>
-              <a:rPr lang="en-US" dirty="0" smtClean="0"/>
+              <a:rPr lang="en-US" dirty="0"/>
               <a:t>A return type, the one value a function can return.</a:t>
             </a:r>
           </a:p>
           <a:p>
             <a:r>
-              <a:rPr lang="en-US" dirty="0" smtClean="0"/>
+              <a:rPr lang="en-US" dirty="0"/>
               <a:t>However, to call (use) a function, you just need to know its name and what arguments (parameters) it needs.</a:t>
             </a:r>
           </a:p>
           <a:p>
             <a:r>
-              <a:rPr lang="en-US" dirty="0" err="1" smtClean="0">
+              <a:rPr lang="en-US" dirty="0" err="1">
                 <a:latin typeface="Consolas" charset="0"/>
                 <a:ea typeface="Consolas" charset="0"/>
                 <a:cs typeface="Consolas" charset="0"/>
@@ -5630,18 +5511,13 @@
               <a:t>printf</a:t>
             </a:r>
             <a:r>
-              <a:rPr lang="en-US" dirty="0" smtClean="0">
+              <a:rPr lang="en-US" dirty="0">
                 <a:latin typeface="Consolas" charset="0"/>
                 <a:ea typeface="Consolas" charset="0"/>
                 <a:cs typeface="Consolas" charset="0"/>
               </a:rPr>
               <a:t>("Your age is %d", age);</a:t>
             </a:r>
-            <a:endParaRPr lang="en-US" dirty="0">
-              <a:latin typeface="Consolas" charset="0"/>
-              <a:ea typeface="Consolas" charset="0"/>
-              <a:cs typeface="Consolas" charset="0"/>
-            </a:endParaRPr>
           </a:p>
         </p:txBody>
       </p:sp>
@@ -5692,10 +5568,9 @@
           <a:lstStyle/>
           <a:p>
             <a:r>
-              <a:rPr lang="en-US" dirty="0" smtClean="0"/>
+              <a:rPr lang="en-US" dirty="0"/>
               <a:t>Name</a:t>
             </a:r>
-            <a:endParaRPr lang="en-US" dirty="0"/>
           </a:p>
         </p:txBody>
       </p:sp>
@@ -5722,10 +5597,9 @@
           <a:lstStyle/>
           <a:p>
             <a:r>
-              <a:rPr lang="en-US" smtClean="0"/>
+              <a:rPr lang="en-US"/>
               <a:t>Arguments (2)</a:t>
             </a:r>
-            <a:endParaRPr lang="en-US"/>
           </a:p>
         </p:txBody>
       </p:sp>
@@ -5825,13 +5699,6 @@
   <p:clrMapOvr>
     <a:masterClrMapping/>
   </p:clrMapOvr>
-  <p:timing>
-    <p:tnLst>
-      <p:par>
-        <p:cTn id="1" dur="indefinite" restart="never" nodeType="tmRoot"/>
-      </p:par>
-    </p:tnLst>
-  </p:timing>
 </p:sld>
 </file>
 
@@ -5868,7 +5735,7 @@
           <a:lstStyle/>
           <a:p>
             <a:r>
-              <a:rPr lang="en-US" dirty="0" err="1" smtClean="0"/>
+              <a:rPr lang="en-US" dirty="0" err="1"/>
               <a:t>printf</a:t>
             </a:r>
             <a:endParaRPr lang="en-US" dirty="0"/>
@@ -5893,11 +5760,11 @@
           <a:lstStyle/>
           <a:p>
             <a:r>
-              <a:rPr lang="en-US" dirty="0" smtClean="0"/>
+              <a:rPr lang="en-US" dirty="0"/>
               <a:t>The </a:t>
             </a:r>
             <a:r>
-              <a:rPr lang="en-US" dirty="0" err="1" smtClean="0">
+              <a:rPr lang="en-US" dirty="0" err="1">
                 <a:latin typeface="Consolas" charset="0"/>
                 <a:ea typeface="Consolas" charset="0"/>
                 <a:cs typeface="Consolas" charset="0"/>
@@ -5905,31 +5772,31 @@
               <a:t>printf</a:t>
             </a:r>
             <a:r>
-              <a:rPr lang="en-US" dirty="0" smtClean="0"/>
+              <a:rPr lang="en-US" dirty="0"/>
               <a:t> function is used to output text to the screen.</a:t>
             </a:r>
           </a:p>
           <a:p>
             <a:r>
-              <a:rPr lang="en-US" dirty="0" smtClean="0"/>
+              <a:rPr lang="en-US" dirty="0"/>
               <a:t>It takes one or more arguments:</a:t>
             </a:r>
           </a:p>
           <a:p>
             <a:pPr lvl="1"/>
             <a:r>
-              <a:rPr lang="en-US" dirty="0" smtClean="0"/>
+              <a:rPr lang="en-US" dirty="0"/>
               <a:t>The first argument is a character string (demarcated by quotation marks</a:t>
             </a:r>
           </a:p>
           <a:p>
             <a:pPr lvl="2"/>
             <a:r>
-              <a:rPr lang="en-US" dirty="0" smtClean="0"/>
+              <a:rPr lang="en-US" dirty="0"/>
               <a:t>For example: </a:t>
             </a:r>
             <a:r>
-              <a:rPr lang="en-US" dirty="0" smtClean="0">
+              <a:rPr lang="en-US" dirty="0">
                 <a:latin typeface="Consolas" charset="0"/>
                 <a:ea typeface="Consolas" charset="0"/>
                 <a:cs typeface="Consolas" charset="0"/>
@@ -5940,14 +5807,14 @@
           <a:p>
             <a:pPr lvl="1"/>
             <a:r>
-              <a:rPr lang="en-US" dirty="0" smtClean="0">
+              <a:rPr lang="en-US" dirty="0">
                 <a:ea typeface="Consolas" charset="0"/>
                 <a:cs typeface="Consolas" charset="0"/>
               </a:rPr>
               <a:t>The following optional arguments are used to replace the placeholder characters (</a:t>
             </a:r>
             <a:r>
-              <a:rPr lang="en-US" dirty="0" smtClean="0">
+              <a:rPr lang="en-US" dirty="0">
                 <a:latin typeface="Consolas" charset="0"/>
                 <a:ea typeface="Consolas" charset="0"/>
                 <a:cs typeface="Consolas" charset="0"/>
@@ -5955,14 +5822,14 @@
               <a:t>%d</a:t>
             </a:r>
             <a:r>
-              <a:rPr lang="en-US" dirty="0" smtClean="0">
+              <a:rPr lang="en-US" dirty="0">
                 <a:ea typeface="Consolas" charset="0"/>
                 <a:cs typeface="Consolas" charset="0"/>
               </a:rPr>
               <a:t>, </a:t>
             </a:r>
             <a:r>
-              <a:rPr lang="en-US" dirty="0" smtClean="0">
+              <a:rPr lang="en-US" dirty="0">
                 <a:latin typeface="Consolas" charset="0"/>
                 <a:ea typeface="Consolas" charset="0"/>
                 <a:cs typeface="Consolas" charset="0"/>
@@ -5970,7 +5837,7 @@
               <a:t>%f</a:t>
             </a:r>
             <a:r>
-              <a:rPr lang="en-US" dirty="0" smtClean="0">
+              <a:rPr lang="en-US" dirty="0">
                 <a:ea typeface="Consolas" charset="0"/>
                 <a:cs typeface="Consolas" charset="0"/>
               </a:rPr>
@@ -5980,7 +5847,7 @@
           <a:p>
             <a:pPr lvl="1"/>
             <a:r>
-              <a:rPr lang="en-US" dirty="0" smtClean="0">
+              <a:rPr lang="en-US" dirty="0">
                 <a:ea typeface="Consolas" charset="0"/>
                 <a:cs typeface="Consolas" charset="0"/>
               </a:rPr>
@@ -5990,7 +5857,7 @@
           <a:p>
             <a:pPr lvl="1"/>
             <a:r>
-              <a:rPr lang="en-US" dirty="0" err="1" smtClean="0">
+              <a:rPr lang="en-US" dirty="0" err="1">
                 <a:latin typeface="Consolas" charset="0"/>
                 <a:ea typeface="Consolas" charset="0"/>
                 <a:cs typeface="Consolas" charset="0"/>
@@ -5998,33 +5865,17 @@
               <a:t>printf</a:t>
             </a:r>
             <a:r>
-              <a:rPr lang="en-US" dirty="0" smtClean="0">
-                <a:latin typeface="Consolas" charset="0"/>
-                <a:ea typeface="Consolas" charset="0"/>
-                <a:cs typeface="Consolas" charset="0"/>
-              </a:rPr>
-              <a:t>(</a:t>
-            </a:r>
-            <a:r>
               <a:rPr lang="en-US" dirty="0">
                 <a:latin typeface="Consolas" charset="0"/>
                 <a:ea typeface="Consolas" charset="0"/>
                 <a:cs typeface="Consolas" charset="0"/>
               </a:rPr>
-              <a:t>"The price </a:t>
-            </a:r>
-            <a:r>
-              <a:rPr lang="en-US" dirty="0" smtClean="0">
-                <a:latin typeface="Consolas" charset="0"/>
-                <a:ea typeface="Consolas" charset="0"/>
-                <a:cs typeface="Consolas" charset="0"/>
-              </a:rPr>
-              <a:t>for %d is %.2f", quantity, total);</a:t>
-            </a:r>
-          </a:p>
-          <a:p>
-            <a:r>
-              <a:rPr lang="en-US" dirty="0" smtClean="0">
+              <a:t>("The price for %d is %.2f", quantity, total);</a:t>
+            </a:r>
+          </a:p>
+          <a:p>
+            <a:r>
+              <a:rPr lang="en-US" dirty="0">
                 <a:latin typeface="Consolas" charset="0"/>
                 <a:ea typeface="Consolas" charset="0"/>
                 <a:cs typeface="Consolas" charset="0"/>
@@ -6035,7 +5886,7 @@
           <a:p>
             <a:pPr lvl="1"/>
             <a:r>
-              <a:rPr lang="en-US" dirty="0" smtClean="0">
+              <a:rPr lang="en-US" dirty="0">
                 <a:latin typeface="Consolas" charset="0"/>
                 <a:ea typeface="Consolas" charset="0"/>
                 <a:cs typeface="Consolas" charset="0"/>
@@ -6043,7 +5894,7 @@
               <a:t>\n </a:t>
             </a:r>
             <a:r>
-              <a:rPr lang="en-US" dirty="0" smtClean="0">
+              <a:rPr lang="en-US" dirty="0">
                 <a:ea typeface="Consolas" charset="0"/>
                 <a:cs typeface="Consolas" charset="0"/>
               </a:rPr>
@@ -6053,7 +5904,7 @@
           <a:p>
             <a:pPr lvl="1"/>
             <a:r>
-              <a:rPr lang="en-US" dirty="0" smtClean="0">
+              <a:rPr lang="en-US" dirty="0">
                 <a:latin typeface="Consolas" charset="0"/>
                 <a:ea typeface="Consolas" charset="0"/>
                 <a:cs typeface="Consolas" charset="0"/>
@@ -6061,7 +5912,7 @@
               <a:t>%d </a:t>
             </a:r>
             <a:r>
-              <a:rPr lang="en-US" dirty="0" smtClean="0">
+              <a:rPr lang="en-US" dirty="0">
                 <a:ea typeface="Consolas" charset="0"/>
                 <a:cs typeface="Consolas" charset="0"/>
               </a:rPr>
@@ -6071,7 +5922,7 @@
           <a:p>
             <a:pPr lvl="1"/>
             <a:r>
-              <a:rPr lang="en-US" dirty="0" smtClean="0">
+              <a:rPr lang="en-US" dirty="0">
                 <a:latin typeface="Consolas" charset="0"/>
                 <a:ea typeface="Consolas" charset="0"/>
                 <a:cs typeface="Consolas" charset="0"/>
@@ -6079,7 +5930,7 @@
               <a:t>%f </a:t>
             </a:r>
             <a:r>
-              <a:rPr lang="en-US" dirty="0" smtClean="0">
+              <a:rPr lang="en-US" dirty="0">
                 <a:ea typeface="Consolas" charset="0"/>
                 <a:cs typeface="Consolas" charset="0"/>
               </a:rPr>
@@ -6089,7 +5940,7 @@
           <a:p>
             <a:pPr lvl="1"/>
             <a:r>
-              <a:rPr lang="en-US" dirty="0" smtClean="0">
+              <a:rPr lang="en-US" dirty="0">
                 <a:latin typeface="Consolas" charset="0"/>
                 <a:ea typeface="Consolas" charset="0"/>
                 <a:cs typeface="Consolas" charset="0"/>
@@ -6097,16 +5948,12 @@
               <a:t>%.3f </a:t>
             </a:r>
             <a:r>
-              <a:rPr lang="en-US" dirty="0" smtClean="0">
+              <a:rPr lang="en-US" dirty="0">
                 <a:ea typeface="Consolas" charset="0"/>
                 <a:cs typeface="Consolas" charset="0"/>
               </a:rPr>
               <a:t>(placeholder for a float with three decimal places)</a:t>
             </a:r>
-            <a:endParaRPr lang="en-US" dirty="0">
-              <a:ea typeface="Consolas" charset="0"/>
-              <a:cs typeface="Consolas" charset="0"/>
-            </a:endParaRPr>
           </a:p>
           <a:p>
             <a:pPr lvl="1"/>
@@ -6151,13 +5998,6 @@
   <p:clrMapOvr>
     <a:masterClrMapping/>
   </p:clrMapOvr>
-  <p:timing>
-    <p:tnLst>
-      <p:par>
-        <p:cTn id="1" dur="indefinite" restart="never" nodeType="tmRoot"/>
-      </p:par>
-    </p:tnLst>
-  </p:timing>
 </p:sld>
 </file>
 
@@ -6194,10 +6034,9 @@
           <a:lstStyle/>
           <a:p>
             <a:r>
-              <a:rPr lang="en-US" dirty="0" smtClean="0"/>
+              <a:rPr lang="en-US" dirty="0"/>
               <a:t>Examples</a:t>
             </a:r>
-            <a:endParaRPr lang="en-US" dirty="0"/>
           </a:p>
         </p:txBody>
       </p:sp>
@@ -6257,7 +6096,7 @@
               <a:buNone/>
             </a:pPr>
             <a:r>
-              <a:rPr lang="en-US" sz="2400" dirty="0" smtClean="0">
+              <a:rPr lang="en-US" sz="2400" dirty="0">
                 <a:latin typeface="Consolas" charset="0"/>
                 <a:ea typeface="Consolas" charset="0"/>
                 <a:cs typeface="Consolas" charset="0"/>
@@ -6265,7 +6104,7 @@
               <a:t>#include &lt;</a:t>
             </a:r>
             <a:r>
-              <a:rPr lang="en-US" sz="2400" dirty="0" err="1" smtClean="0">
+              <a:rPr lang="en-US" sz="2400" dirty="0" err="1">
                 <a:latin typeface="Consolas" charset="0"/>
                 <a:ea typeface="Consolas" charset="0"/>
                 <a:cs typeface="Consolas" charset="0"/>
@@ -6273,7 +6112,7 @@
               <a:t>stdio.h</a:t>
             </a:r>
             <a:r>
-              <a:rPr lang="en-US" sz="2400" dirty="0" smtClean="0">
+              <a:rPr lang="en-US" sz="2400" dirty="0">
                 <a:latin typeface="Consolas" charset="0"/>
                 <a:ea typeface="Consolas" charset="0"/>
                 <a:cs typeface="Consolas" charset="0"/>
@@ -6286,7 +6125,7 @@
               <a:buNone/>
             </a:pPr>
             <a:r>
-              <a:rPr lang="en-US" sz="2400" b="1" dirty="0" err="1" smtClean="0">
+              <a:rPr lang="en-US" sz="2400" b="1" dirty="0" err="1">
                 <a:solidFill>
                   <a:schemeClr val="accent1">
                     <a:lumMod val="75000"/>
@@ -6299,7 +6138,7 @@
               <a:t>int</a:t>
             </a:r>
             <a:r>
-              <a:rPr lang="en-US" sz="2400" b="1" dirty="0" smtClean="0">
+              <a:rPr lang="en-US" sz="2400" b="1" dirty="0">
                 <a:solidFill>
                   <a:schemeClr val="accent1">
                     <a:lumMod val="75000"/>
@@ -6322,18 +6161,10 @@
                 <a:ea typeface="Consolas" charset="0"/>
                 <a:cs typeface="Consolas" charset="0"/>
               </a:rPr>
-              <a:t> </a:t>
-            </a:r>
-            <a:r>
-              <a:rPr lang="en-US" sz="2400" dirty="0" smtClean="0">
-                <a:latin typeface="Consolas" charset="0"/>
-                <a:ea typeface="Consolas" charset="0"/>
-                <a:cs typeface="Consolas" charset="0"/>
-              </a:rPr>
-              <a:t> </a:t>
-            </a:r>
-            <a:r>
-              <a:rPr lang="en-US" sz="2400" dirty="0" err="1" smtClean="0">
+              <a:t>  </a:t>
+            </a:r>
+            <a:r>
+              <a:rPr lang="en-US" sz="2400" dirty="0" err="1">
                 <a:latin typeface="Consolas" charset="0"/>
                 <a:ea typeface="Consolas" charset="0"/>
                 <a:cs typeface="Consolas" charset="0"/>
@@ -6341,7 +6172,7 @@
               <a:t>printf</a:t>
             </a:r>
             <a:r>
-              <a:rPr lang="en-US" sz="2400" dirty="0" smtClean="0">
+              <a:rPr lang="en-US" sz="2400" dirty="0">
                 <a:latin typeface="Consolas" charset="0"/>
                 <a:ea typeface="Consolas" charset="0"/>
                 <a:cs typeface="Consolas" charset="0"/>
@@ -6354,7 +6185,7 @@
               <a:buNone/>
             </a:pPr>
             <a:r>
-              <a:rPr lang="en-US" sz="2400" dirty="0" smtClean="0">
+              <a:rPr lang="en-US" sz="2400" dirty="0">
                 <a:latin typeface="Consolas" charset="0"/>
                 <a:ea typeface="Consolas" charset="0"/>
                 <a:cs typeface="Consolas" charset="0"/>
@@ -6367,7 +6198,7 @@
               <a:buNone/>
             </a:pPr>
             <a:r>
-              <a:rPr lang="en-US" sz="2400" b="1" dirty="0" smtClean="0">
+              <a:rPr lang="en-US" sz="2400" b="1" dirty="0">
                 <a:solidFill>
                   <a:schemeClr val="accent1">
                     <a:lumMod val="75000"/>
@@ -6424,7 +6255,7 @@
               <a:buNone/>
             </a:pPr>
             <a:r>
-              <a:rPr lang="en-US" sz="2400" dirty="0" smtClean="0">
+              <a:rPr lang="en-US" sz="2400" dirty="0">
                 <a:latin typeface="Consolas" charset="0"/>
                 <a:ea typeface="Consolas" charset="0"/>
                 <a:cs typeface="Consolas" charset="0"/>
@@ -6432,7 +6263,7 @@
               <a:t>#include &lt;</a:t>
             </a:r>
             <a:r>
-              <a:rPr lang="en-US" sz="2400" dirty="0" err="1" smtClean="0">
+              <a:rPr lang="en-US" sz="2400" dirty="0" err="1">
                 <a:latin typeface="Consolas" charset="0"/>
                 <a:ea typeface="Consolas" charset="0"/>
                 <a:cs typeface="Consolas" charset="0"/>
@@ -6440,7 +6271,7 @@
               <a:t>stdio.h</a:t>
             </a:r>
             <a:r>
-              <a:rPr lang="en-US" sz="2400" dirty="0" smtClean="0">
+              <a:rPr lang="en-US" sz="2400" dirty="0">
                 <a:latin typeface="Consolas" charset="0"/>
                 <a:ea typeface="Consolas" charset="0"/>
                 <a:cs typeface="Consolas" charset="0"/>
@@ -6453,7 +6284,7 @@
               <a:buNone/>
             </a:pPr>
             <a:r>
-              <a:rPr lang="en-US" sz="2400" b="1" dirty="0" err="1" smtClean="0">
+              <a:rPr lang="en-US" sz="2400" b="1" dirty="0" err="1">
                 <a:solidFill>
                   <a:schemeClr val="accent1">
                     <a:lumMod val="75000"/>
@@ -6466,7 +6297,7 @@
               <a:t>int</a:t>
             </a:r>
             <a:r>
-              <a:rPr lang="en-US" sz="2400" b="1" dirty="0" smtClean="0">
+              <a:rPr lang="en-US" sz="2400" b="1" dirty="0">
                 <a:solidFill>
                   <a:schemeClr val="accent1">
                     <a:lumMod val="75000"/>
@@ -6489,18 +6320,10 @@
                 <a:ea typeface="Consolas" charset="0"/>
                 <a:cs typeface="Consolas" charset="0"/>
               </a:rPr>
-              <a:t> </a:t>
-            </a:r>
-            <a:r>
-              <a:rPr lang="en-US" sz="2400" dirty="0" smtClean="0">
-                <a:latin typeface="Consolas" charset="0"/>
-                <a:ea typeface="Consolas" charset="0"/>
-                <a:cs typeface="Consolas" charset="0"/>
-              </a:rPr>
-              <a:t> </a:t>
-            </a:r>
-            <a:r>
-              <a:rPr lang="en-US" sz="2400" dirty="0" err="1" smtClean="0">
+              <a:t>  </a:t>
+            </a:r>
+            <a:r>
+              <a:rPr lang="en-US" sz="2400" dirty="0" err="1">
                 <a:latin typeface="Consolas" charset="0"/>
                 <a:ea typeface="Consolas" charset="0"/>
                 <a:cs typeface="Consolas" charset="0"/>
@@ -6508,28 +6331,12 @@
               <a:t>printf</a:t>
             </a:r>
             <a:r>
-              <a:rPr lang="en-US" sz="2400" dirty="0" smtClean="0">
-                <a:latin typeface="Consolas" charset="0"/>
-                <a:ea typeface="Consolas" charset="0"/>
-                <a:cs typeface="Consolas" charset="0"/>
-              </a:rPr>
-              <a:t>("Ready\n</a:t>
-            </a:r>
-            <a:r>
               <a:rPr lang="en-US" sz="2400" dirty="0">
                 <a:latin typeface="Consolas" charset="0"/>
                 <a:ea typeface="Consolas" charset="0"/>
                 <a:cs typeface="Consolas" charset="0"/>
               </a:rPr>
-              <a:t>"</a:t>
-            </a:r>
-            <a:r>
-              <a:rPr lang="en-US" sz="2400" dirty="0" smtClean="0">
-                <a:latin typeface="Consolas" charset="0"/>
-                <a:ea typeface="Consolas" charset="0"/>
-                <a:cs typeface="Consolas" charset="0"/>
-              </a:rPr>
-              <a:t>)</a:t>
+              <a:t>("Ready\n")</a:t>
             </a:r>
           </a:p>
           <a:p>
@@ -6542,18 +6349,10 @@
                 <a:ea typeface="Consolas" charset="0"/>
                 <a:cs typeface="Consolas" charset="0"/>
               </a:rPr>
-              <a:t> </a:t>
-            </a:r>
-            <a:r>
-              <a:rPr lang="en-US" sz="2400" dirty="0" smtClean="0">
-                <a:latin typeface="Consolas" charset="0"/>
-                <a:ea typeface="Consolas" charset="0"/>
-                <a:cs typeface="Consolas" charset="0"/>
-              </a:rPr>
-              <a:t> </a:t>
-            </a:r>
-            <a:r>
-              <a:rPr lang="en-US" sz="2400" dirty="0" err="1" smtClean="0">
+              <a:t>  </a:t>
+            </a:r>
+            <a:r>
+              <a:rPr lang="en-US" sz="2400" dirty="0" err="1">
                 <a:latin typeface="Consolas" charset="0"/>
                 <a:ea typeface="Consolas" charset="0"/>
                 <a:cs typeface="Consolas" charset="0"/>
@@ -6561,7 +6360,7 @@
               <a:t>printf</a:t>
             </a:r>
             <a:r>
-              <a:rPr lang="en-US" sz="2400" dirty="0" smtClean="0">
+              <a:rPr lang="en-US" sz="2400" dirty="0">
                 <a:latin typeface="Consolas" charset="0"/>
                 <a:ea typeface="Consolas" charset="0"/>
                 <a:cs typeface="Consolas" charset="0"/>
@@ -6579,15 +6378,7 @@
                 <a:ea typeface="Consolas" charset="0"/>
                 <a:cs typeface="Consolas" charset="0"/>
               </a:rPr>
-              <a:t> </a:t>
-            </a:r>
-            <a:r>
-              <a:rPr lang="en-US" sz="2400" dirty="0" smtClean="0">
-                <a:latin typeface="Consolas" charset="0"/>
-                <a:ea typeface="Consolas" charset="0"/>
-                <a:cs typeface="Consolas" charset="0"/>
-              </a:rPr>
-              <a:t> return 0;</a:t>
+              <a:t>  return 0;</a:t>
             </a:r>
           </a:p>
           <a:p>
@@ -6595,7 +6386,7 @@
               <a:buNone/>
             </a:pPr>
             <a:r>
-              <a:rPr lang="en-US" sz="2400" b="1" dirty="0" smtClean="0">
+              <a:rPr lang="en-US" sz="2400" b="1" dirty="0">
                 <a:solidFill>
                   <a:schemeClr val="accent1">
                     <a:lumMod val="75000"/>
@@ -6643,18 +6434,13 @@
           <a:lstStyle/>
           <a:p>
             <a:r>
-              <a:rPr lang="en-US" sz="2400" i="1" dirty="0" smtClean="0">
+              <a:rPr lang="en-US" sz="2400" i="1" dirty="0">
                 <a:solidFill>
                   <a:srgbClr val="00B050"/>
                 </a:solidFill>
               </a:rPr>
               <a:t>Ready Set Go!</a:t>
             </a:r>
-            <a:endParaRPr lang="en-US" sz="2400" i="1" dirty="0">
-              <a:solidFill>
-                <a:srgbClr val="00B050"/>
-              </a:solidFill>
-            </a:endParaRPr>
           </a:p>
         </p:txBody>
       </p:sp>
@@ -6681,7 +6467,7 @@
           <a:lstStyle/>
           <a:p>
             <a:r>
-              <a:rPr lang="en-US" sz="2400" i="1" dirty="0" smtClean="0">
+              <a:rPr lang="en-US" sz="2400" i="1" dirty="0">
                 <a:solidFill>
                   <a:srgbClr val="00B050"/>
                 </a:solidFill>
@@ -6691,7 +6477,7 @@
           </a:p>
           <a:p>
             <a:r>
-              <a:rPr lang="en-US" sz="2400" i="1" dirty="0" smtClean="0">
+              <a:rPr lang="en-US" sz="2400" i="1" dirty="0">
                 <a:solidFill>
                   <a:srgbClr val="00B050"/>
                 </a:solidFill>
@@ -6701,18 +6487,13 @@
           </a:p>
           <a:p>
             <a:r>
-              <a:rPr lang="en-US" sz="2400" i="1" dirty="0" smtClean="0">
+              <a:rPr lang="en-US" sz="2400" i="1" dirty="0">
                 <a:solidFill>
                   <a:srgbClr val="00B050"/>
                 </a:solidFill>
               </a:rPr>
               <a:t> Go!</a:t>
             </a:r>
-            <a:endParaRPr lang="en-US" sz="2400" i="1" dirty="0">
-              <a:solidFill>
-                <a:srgbClr val="00B050"/>
-              </a:solidFill>
-            </a:endParaRPr>
           </a:p>
         </p:txBody>
       </p:sp>
@@ -6886,7 +6667,7 @@
           <a:lstStyle/>
           <a:p>
             <a:r>
-              <a:rPr lang="en-US" smtClean="0"/>
+              <a:rPr lang="en-US"/>
               <a:t>Comments</a:t>
             </a:r>
             <a:endParaRPr lang="en-US" dirty="0"/>
@@ -6914,42 +6695,42 @@
           <a:lstStyle/>
           <a:p>
             <a:r>
-              <a:rPr lang="en-US" dirty="0" smtClean="0"/>
+              <a:rPr lang="en-US" dirty="0"/>
               <a:t>Provide documentation</a:t>
             </a:r>
           </a:p>
           <a:p>
             <a:r>
-              <a:rPr lang="en-US" dirty="0" smtClean="0"/>
+              <a:rPr lang="en-US" dirty="0"/>
               <a:t>Ignored by the compiler</a:t>
             </a:r>
           </a:p>
           <a:p>
             <a:r>
-              <a:rPr lang="en-US" dirty="0" smtClean="0"/>
+              <a:rPr lang="en-US" dirty="0"/>
               <a:t>May appear anywhere</a:t>
             </a:r>
           </a:p>
           <a:p>
             <a:r>
-              <a:rPr lang="en-US" dirty="0" smtClean="0"/>
+              <a:rPr lang="en-US" dirty="0"/>
               <a:t>May extend over multiple lines (/* */)</a:t>
             </a:r>
           </a:p>
           <a:p>
             <a:r>
-              <a:rPr lang="en-US" dirty="0" smtClean="0"/>
+              <a:rPr lang="en-US" dirty="0"/>
               <a:t>Cannot be nested</a:t>
             </a:r>
           </a:p>
           <a:p>
             <a:r>
-              <a:rPr lang="en-US" dirty="0" smtClean="0"/>
+              <a:rPr lang="en-US" dirty="0"/>
               <a:t>// comments end at the end of the line</a:t>
             </a:r>
           </a:p>
           <a:p>
-            <a:endParaRPr lang="en-US" dirty="0" smtClean="0"/>
+            <a:endParaRPr lang="en-US" dirty="0"/>
           </a:p>
           <a:p>
             <a:endParaRPr lang="en-US" dirty="0"/>
@@ -7013,7 +6794,7 @@
               <a:buNone/>
             </a:pPr>
             <a:r>
-              <a:rPr lang="en-US" sz="2000" dirty="0" smtClean="0">
+              <a:rPr lang="en-US" sz="2000" dirty="0">
                 <a:solidFill>
                   <a:srgbClr val="FF0000"/>
                 </a:solidFill>
@@ -7024,7 +6805,7 @@
               <a:t>/*  </a:t>
             </a:r>
             <a:r>
-              <a:rPr lang="en-US" sz="2000" dirty="0" err="1" smtClean="0">
+              <a:rPr lang="en-US" sz="2000" dirty="0" err="1">
                 <a:solidFill>
                   <a:srgbClr val="FF0000"/>
                 </a:solidFill>
@@ -7035,7 +6816,7 @@
               <a:t>HelloWorld.c</a:t>
             </a:r>
             <a:r>
-              <a:rPr lang="en-US" sz="2000" dirty="0" smtClean="0">
+              <a:rPr lang="en-US" sz="2000" dirty="0">
                 <a:solidFill>
                   <a:srgbClr val="FF0000"/>
                 </a:solidFill>
@@ -7051,7 +6832,7 @@
               <a:buNone/>
             </a:pPr>
             <a:r>
-              <a:rPr lang="en-US" sz="2000" dirty="0" smtClean="0">
+              <a:rPr lang="en-US" sz="2000" dirty="0">
                 <a:solidFill>
                   <a:srgbClr val="FF0000"/>
                 </a:solidFill>
@@ -7067,7 +6848,7 @@
               <a:buNone/>
             </a:pPr>
             <a:r>
-              <a:rPr lang="en-US" sz="2000" dirty="0" smtClean="0">
+              <a:rPr lang="en-US" sz="2000" dirty="0">
                 <a:latin typeface="Consolas" charset="0"/>
                 <a:ea typeface="Consolas" charset="0"/>
                 <a:cs typeface="Consolas" charset="0"/>
@@ -7075,7 +6856,7 @@
               <a:t>#include &lt;</a:t>
             </a:r>
             <a:r>
-              <a:rPr lang="en-US" sz="2000" dirty="0" err="1" smtClean="0">
+              <a:rPr lang="en-US" sz="2000" dirty="0" err="1">
                 <a:latin typeface="Consolas" charset="0"/>
                 <a:ea typeface="Consolas" charset="0"/>
                 <a:cs typeface="Consolas" charset="0"/>
@@ -7083,7 +6864,7 @@
               <a:t>stdio.h</a:t>
             </a:r>
             <a:r>
-              <a:rPr lang="en-US" sz="2000" dirty="0" smtClean="0">
+              <a:rPr lang="en-US" sz="2000" dirty="0">
                 <a:latin typeface="Consolas" charset="0"/>
                 <a:ea typeface="Consolas" charset="0"/>
                 <a:cs typeface="Consolas" charset="0"/>
@@ -7096,7 +6877,7 @@
               <a:buNone/>
             </a:pPr>
             <a:r>
-              <a:rPr lang="en-US" sz="2000" dirty="0" err="1" smtClean="0">
+              <a:rPr lang="en-US" sz="2000" dirty="0" err="1">
                 <a:latin typeface="Consolas" charset="0"/>
                 <a:ea typeface="Consolas" charset="0"/>
                 <a:cs typeface="Consolas" charset="0"/>
@@ -7104,7 +6885,7 @@
               <a:t>int</a:t>
             </a:r>
             <a:r>
-              <a:rPr lang="en-US" sz="2000" dirty="0" smtClean="0">
+              <a:rPr lang="en-US" sz="2000" dirty="0">
                 <a:latin typeface="Consolas" charset="0"/>
                 <a:ea typeface="Consolas" charset="0"/>
                 <a:cs typeface="Consolas" charset="0"/>
@@ -7122,18 +6903,10 @@
                 <a:ea typeface="Consolas" charset="0"/>
                 <a:cs typeface="Consolas" charset="0"/>
               </a:rPr>
-              <a:t> </a:t>
-            </a:r>
-            <a:r>
-              <a:rPr lang="en-US" sz="2000" dirty="0" smtClean="0">
-                <a:latin typeface="Consolas" charset="0"/>
-                <a:ea typeface="Consolas" charset="0"/>
-                <a:cs typeface="Consolas" charset="0"/>
-              </a:rPr>
-              <a:t> </a:t>
-            </a:r>
-            <a:r>
-              <a:rPr lang="en-US" sz="2000" dirty="0" smtClean="0">
+              <a:t>  </a:t>
+            </a:r>
+            <a:r>
+              <a:rPr lang="en-US" sz="2000" dirty="0">
                 <a:solidFill>
                   <a:srgbClr val="FF0000"/>
                 </a:solidFill>
@@ -7149,7 +6922,7 @@
               <a:buNone/>
             </a:pPr>
             <a:r>
-              <a:rPr lang="en-US" sz="2000" dirty="0" smtClean="0">
+              <a:rPr lang="en-US" sz="2000" dirty="0">
                 <a:latin typeface="Consolas" charset="0"/>
                 <a:ea typeface="Consolas" charset="0"/>
                 <a:cs typeface="Consolas" charset="0"/>
@@ -7157,7 +6930,7 @@
               <a:t>  </a:t>
             </a:r>
             <a:r>
-              <a:rPr lang="en-US" sz="2000" dirty="0" err="1" smtClean="0">
+              <a:rPr lang="en-US" sz="2000" dirty="0" err="1">
                 <a:latin typeface="Consolas" charset="0"/>
                 <a:ea typeface="Consolas" charset="0"/>
                 <a:cs typeface="Consolas" charset="0"/>
@@ -7165,7 +6938,7 @@
               <a:t>printf</a:t>
             </a:r>
             <a:r>
-              <a:rPr lang="en-US" sz="2000" dirty="0" smtClean="0">
+              <a:rPr lang="en-US" sz="2000" dirty="0">
                 <a:latin typeface="Consolas" charset="0"/>
                 <a:ea typeface="Consolas" charset="0"/>
                 <a:cs typeface="Consolas" charset="0"/>
@@ -7173,7 +6946,7 @@
               <a:t>("Hello World!\n"); </a:t>
             </a:r>
             <a:r>
-              <a:rPr lang="en-US" sz="2000" dirty="0" smtClean="0">
+              <a:rPr lang="en-US" sz="2000" dirty="0">
                 <a:solidFill>
                   <a:srgbClr val="FF0000"/>
                 </a:solidFill>
@@ -7189,7 +6962,7 @@
               <a:buNone/>
             </a:pPr>
             <a:r>
-              <a:rPr lang="en-US" sz="2000" dirty="0" smtClean="0">
+              <a:rPr lang="en-US" sz="2000" dirty="0">
                 <a:latin typeface="Consolas" charset="0"/>
                 <a:ea typeface="Consolas" charset="0"/>
                 <a:cs typeface="Consolas" charset="0"/>
@@ -7197,7 +6970,7 @@
               <a:t>  </a:t>
             </a:r>
             <a:r>
-              <a:rPr lang="en-US" sz="2000" dirty="0" err="1" smtClean="0">
+              <a:rPr lang="en-US" sz="2000" dirty="0" err="1">
                 <a:latin typeface="Consolas" charset="0"/>
                 <a:ea typeface="Consolas" charset="0"/>
                 <a:cs typeface="Consolas" charset="0"/>
@@ -7205,7 +6978,7 @@
               <a:t>printf</a:t>
             </a:r>
             <a:r>
-              <a:rPr lang="en-US" sz="2000" dirty="0" smtClean="0">
+              <a:rPr lang="en-US" sz="2000" dirty="0">
                 <a:latin typeface="Consolas" charset="0"/>
                 <a:ea typeface="Consolas" charset="0"/>
                 <a:cs typeface="Consolas" charset="0"/>
@@ -7213,7 +6986,7 @@
               <a:t>("Hello World!\n"); </a:t>
             </a:r>
             <a:r>
-              <a:rPr lang="en-US" sz="2000" dirty="0" smtClean="0">
+              <a:rPr lang="en-US" sz="2000" dirty="0">
                 <a:solidFill>
                   <a:srgbClr val="FF0000"/>
                 </a:solidFill>
@@ -7229,7 +7002,7 @@
               <a:buNone/>
             </a:pPr>
             <a:r>
-              <a:rPr lang="en-US" sz="2000" dirty="0" smtClean="0">
+              <a:rPr lang="en-US" sz="2000" dirty="0">
                 <a:latin typeface="Consolas" charset="0"/>
                 <a:ea typeface="Consolas" charset="0"/>
                 <a:cs typeface="Consolas" charset="0"/>
@@ -7242,7 +7015,7 @@
               <a:buNone/>
             </a:pPr>
             <a:r>
-              <a:rPr lang="en-US" sz="2000" dirty="0" smtClean="0">
+              <a:rPr lang="en-US" sz="2000" dirty="0">
                 <a:latin typeface="Consolas" charset="0"/>
                 <a:ea typeface="Consolas" charset="0"/>
                 <a:cs typeface="Consolas" charset="0"/>
@@ -7267,13 +7040,6 @@
   <p:clrMapOvr>
     <a:masterClrMapping/>
   </p:clrMapOvr>
-  <p:timing>
-    <p:tnLst>
-      <p:par>
-        <p:cTn id="1" dur="indefinite" restart="never" nodeType="tmRoot"/>
-      </p:par>
-    </p:tnLst>
-  </p:timing>
 </p:sld>
 </file>
 
@@ -7310,7 +7076,7 @@
           <a:lstStyle/>
           <a:p>
             <a:r>
-              <a:rPr lang="en-US" smtClean="0"/>
+              <a:rPr lang="en-US"/>
               <a:t>Comments</a:t>
             </a:r>
             <a:endParaRPr lang="en-US" dirty="0"/>
@@ -7335,28 +7101,27 @@
           <a:lstStyle/>
           <a:p>
             <a:r>
-              <a:rPr lang="en-US" dirty="0" smtClean="0"/>
+              <a:rPr lang="en-US" dirty="0"/>
               <a:t>Where does the first comment end?</a:t>
             </a:r>
           </a:p>
           <a:p>
-            <a:endParaRPr lang="en-US" dirty="0" smtClean="0"/>
-          </a:p>
-          <a:p>
-            <a:r>
-              <a:rPr lang="en-US" dirty="0" smtClean="0"/>
+            <a:endParaRPr lang="en-US" dirty="0"/>
+          </a:p>
+          <a:p>
+            <a:r>
+              <a:rPr lang="en-US" dirty="0"/>
               <a:t>Where does second comment end?</a:t>
             </a:r>
           </a:p>
           <a:p>
-            <a:endParaRPr lang="en-US" dirty="0" smtClean="0"/>
-          </a:p>
-          <a:p>
-            <a:r>
-              <a:rPr lang="en-US" dirty="0" smtClean="0"/>
+            <a:endParaRPr lang="en-US" dirty="0"/>
+          </a:p>
+          <a:p>
+            <a:r>
+              <a:rPr lang="en-US" dirty="0"/>
               <a:t>Some editors use different colors for comments. Helps in tracking comment termination.</a:t>
             </a:r>
-            <a:endParaRPr lang="en-US" dirty="0"/>
           </a:p>
         </p:txBody>
       </p:sp>
@@ -7417,7 +7182,7 @@
               <a:buNone/>
             </a:pPr>
             <a:r>
-              <a:rPr lang="en-US" sz="1600" dirty="0" smtClean="0">
+              <a:rPr lang="en-US" sz="1600" dirty="0">
                 <a:solidFill>
                   <a:srgbClr val="FF0000"/>
                 </a:solidFill>
@@ -7433,7 +7198,7 @@
               <a:buNone/>
             </a:pPr>
             <a:r>
-              <a:rPr lang="en-US" sz="1600" dirty="0" smtClean="0">
+              <a:rPr lang="en-US" sz="1600" dirty="0">
                 <a:solidFill>
                   <a:srgbClr val="FF0000"/>
                 </a:solidFill>
@@ -7444,7 +7209,7 @@
               <a:t>2:   *  </a:t>
             </a:r>
             <a:r>
-              <a:rPr lang="en-US" sz="1600" dirty="0" err="1" smtClean="0">
+              <a:rPr lang="en-US" sz="1600" dirty="0" err="1">
                 <a:solidFill>
                   <a:srgbClr val="FF0000"/>
                 </a:solidFill>
@@ -7455,7 +7220,7 @@
               <a:t>HelloWorld.c</a:t>
             </a:r>
             <a:r>
-              <a:rPr lang="en-US" sz="1600" dirty="0" smtClean="0">
+              <a:rPr lang="en-US" sz="1600" dirty="0">
                 <a:solidFill>
                   <a:srgbClr val="FF0000"/>
                 </a:solidFill>
@@ -7471,7 +7236,7 @@
               <a:buNone/>
             </a:pPr>
             <a:r>
-              <a:rPr lang="en-US" sz="1600" dirty="0" smtClean="0">
+              <a:rPr lang="en-US" sz="1600" dirty="0">
                 <a:solidFill>
                   <a:srgbClr val="FF0000"/>
                 </a:solidFill>
@@ -7487,7 +7252,7 @@
               <a:buNone/>
             </a:pPr>
             <a:r>
-              <a:rPr lang="en-US" sz="1600" dirty="0" smtClean="0">
+              <a:rPr lang="en-US" sz="1600" dirty="0">
                 <a:solidFill>
                   <a:srgbClr val="FF0000"/>
                 </a:solidFill>
@@ -7503,7 +7268,7 @@
               <a:buNone/>
             </a:pPr>
             <a:r>
-              <a:rPr lang="en-US" sz="1600" dirty="0" smtClean="0">
+              <a:rPr lang="en-US" sz="1600" dirty="0">
                 <a:latin typeface="Consolas" charset="0"/>
                 <a:ea typeface="Consolas" charset="0"/>
                 <a:cs typeface="Consolas" charset="0"/>
@@ -7511,7 +7276,7 @@
               <a:t>5:   #include &lt;</a:t>
             </a:r>
             <a:r>
-              <a:rPr lang="en-US" sz="1600" dirty="0" err="1" smtClean="0">
+              <a:rPr lang="en-US" sz="1600" dirty="0" err="1">
                 <a:latin typeface="Consolas" charset="0"/>
                 <a:ea typeface="Consolas" charset="0"/>
                 <a:cs typeface="Consolas" charset="0"/>
@@ -7519,7 +7284,7 @@
               <a:t>stdio.h</a:t>
             </a:r>
             <a:r>
-              <a:rPr lang="en-US" sz="1600" dirty="0" smtClean="0">
+              <a:rPr lang="en-US" sz="1600" dirty="0">
                 <a:latin typeface="Consolas" charset="0"/>
                 <a:ea typeface="Consolas" charset="0"/>
                 <a:cs typeface="Consolas" charset="0"/>
@@ -7532,7 +7297,7 @@
               <a:buNone/>
             </a:pPr>
             <a:r>
-              <a:rPr lang="en-US" sz="1600" dirty="0" smtClean="0">
+              <a:rPr lang="en-US" sz="1600" dirty="0">
                 <a:latin typeface="Consolas" charset="0"/>
                 <a:ea typeface="Consolas" charset="0"/>
                 <a:cs typeface="Consolas" charset="0"/>
@@ -7540,7 +7305,7 @@
               <a:t>6:   </a:t>
             </a:r>
             <a:r>
-              <a:rPr lang="en-US" sz="1600" dirty="0" err="1" smtClean="0">
+              <a:rPr lang="en-US" sz="1600" dirty="0" err="1">
                 <a:latin typeface="Consolas" charset="0"/>
                 <a:ea typeface="Consolas" charset="0"/>
                 <a:cs typeface="Consolas" charset="0"/>
@@ -7548,7 +7313,7 @@
               <a:t>int</a:t>
             </a:r>
             <a:r>
-              <a:rPr lang="en-US" sz="1600" dirty="0" smtClean="0">
+              <a:rPr lang="en-US" sz="1600" dirty="0">
                 <a:latin typeface="Consolas" charset="0"/>
                 <a:ea typeface="Consolas" charset="0"/>
                 <a:cs typeface="Consolas" charset="0"/>
@@ -7561,7 +7326,7 @@
               <a:buNone/>
             </a:pPr>
             <a:r>
-              <a:rPr lang="en-US" sz="1600" dirty="0" smtClean="0">
+              <a:rPr lang="en-US" sz="1600" dirty="0">
                 <a:latin typeface="Consolas" charset="0"/>
                 <a:ea typeface="Consolas" charset="0"/>
                 <a:cs typeface="Consolas" charset="0"/>
@@ -7569,7 +7334,7 @@
               <a:t>7:     </a:t>
             </a:r>
             <a:r>
-              <a:rPr lang="en-US" sz="1600" dirty="0" smtClean="0">
+              <a:rPr lang="en-US" sz="1600" dirty="0">
                 <a:solidFill>
                   <a:srgbClr val="FF0000"/>
                 </a:solidFill>
@@ -7585,7 +7350,7 @@
               <a:buNone/>
             </a:pPr>
             <a:r>
-              <a:rPr lang="en-US" sz="1600" dirty="0" smtClean="0">
+              <a:rPr lang="en-US" sz="1600" dirty="0">
                 <a:latin typeface="Consolas" charset="0"/>
                 <a:ea typeface="Consolas" charset="0"/>
                 <a:cs typeface="Consolas" charset="0"/>
@@ -7593,7 +7358,7 @@
               <a:t>8:     </a:t>
             </a:r>
             <a:r>
-              <a:rPr lang="en-US" sz="1600" dirty="0" err="1" smtClean="0">
+              <a:rPr lang="en-US" sz="1600" dirty="0" err="1">
                 <a:latin typeface="Consolas" charset="0"/>
                 <a:ea typeface="Consolas" charset="0"/>
                 <a:cs typeface="Consolas" charset="0"/>
@@ -7601,14 +7366,14 @@
               <a:t>printf</a:t>
             </a:r>
             <a:r>
-              <a:rPr lang="en-US" sz="1600" dirty="0" smtClean="0">
+              <a:rPr lang="en-US" sz="1600" dirty="0">
                 <a:latin typeface="Consolas" charset="0"/>
                 <a:ea typeface="Consolas" charset="0"/>
                 <a:cs typeface="Consolas" charset="0"/>
               </a:rPr>
               <a:t>(“Hello World!\n”); </a:t>
             </a:r>
-            <a:endParaRPr lang="en-US" sz="1600" dirty="0" smtClean="0">
+            <a:endParaRPr lang="en-US" sz="1600" dirty="0">
               <a:solidFill>
                 <a:srgbClr val="FF0000"/>
               </a:solidFill>
@@ -7622,7 +7387,7 @@
               <a:buNone/>
             </a:pPr>
             <a:r>
-              <a:rPr lang="en-US" sz="1600" dirty="0" smtClean="0">
+              <a:rPr lang="en-US" sz="1600" dirty="0">
                 <a:latin typeface="Consolas" charset="0"/>
                 <a:ea typeface="Consolas" charset="0"/>
                 <a:cs typeface="Consolas" charset="0"/>
@@ -7630,7 +7395,7 @@
               <a:t>9:     </a:t>
             </a:r>
             <a:r>
-              <a:rPr lang="en-US" sz="1600" dirty="0" smtClean="0">
+              <a:rPr lang="en-US" sz="1600" dirty="0">
                 <a:solidFill>
                   <a:srgbClr val="00B050"/>
                 </a:solidFill>
@@ -7641,7 +7406,7 @@
               <a:t>/* Do not show 2</a:t>
             </a:r>
             <a:r>
-              <a:rPr lang="en-US" sz="1600" baseline="30000" dirty="0" smtClean="0">
+              <a:rPr lang="en-US" sz="1600" baseline="30000" dirty="0">
                 <a:solidFill>
                   <a:srgbClr val="00B050"/>
                 </a:solidFill>
@@ -7652,7 +7417,7 @@
               <a:t>nd</a:t>
             </a:r>
             <a:r>
-              <a:rPr lang="en-US" sz="1600" dirty="0" smtClean="0">
+              <a:rPr lang="en-US" sz="1600" dirty="0">
                 <a:solidFill>
                   <a:srgbClr val="00B050"/>
                 </a:solidFill>
@@ -7668,7 +7433,7 @@
               <a:buNone/>
             </a:pPr>
             <a:r>
-              <a:rPr lang="en-US" sz="1600" dirty="0" smtClean="0">
+              <a:rPr lang="en-US" sz="1600" dirty="0">
                 <a:latin typeface="Consolas" charset="0"/>
                 <a:ea typeface="Consolas" charset="0"/>
                 <a:cs typeface="Consolas" charset="0"/>
@@ -7676,7 +7441,7 @@
               <a:t>10:</a:t>
             </a:r>
             <a:r>
-              <a:rPr lang="en-US" sz="1600" dirty="0" smtClean="0">
+              <a:rPr lang="en-US" sz="1600" dirty="0">
                 <a:solidFill>
                   <a:srgbClr val="FF0000"/>
                 </a:solidFill>
@@ -7686,7 +7451,7 @@
               </a:rPr>
               <a:t>    /* Greeting #2 */</a:t>
             </a:r>
-            <a:endParaRPr lang="en-US" sz="1600" dirty="0" smtClean="0">
+            <a:endParaRPr lang="en-US" sz="1600" dirty="0">
               <a:latin typeface="Consolas" charset="0"/>
               <a:ea typeface="Consolas" charset="0"/>
               <a:cs typeface="Consolas" charset="0"/>
@@ -7697,7 +7462,7 @@
               <a:buNone/>
             </a:pPr>
             <a:r>
-              <a:rPr lang="en-US" sz="1600" dirty="0" smtClean="0">
+              <a:rPr lang="en-US" sz="1600" dirty="0">
                 <a:latin typeface="Consolas" charset="0"/>
                 <a:ea typeface="Consolas" charset="0"/>
                 <a:cs typeface="Consolas" charset="0"/>
@@ -7705,7 +7470,7 @@
               <a:t>11:    </a:t>
             </a:r>
             <a:r>
-              <a:rPr lang="en-US" sz="1600" dirty="0" err="1" smtClean="0">
+              <a:rPr lang="en-US" sz="1600" dirty="0" err="1">
                 <a:latin typeface="Consolas" charset="0"/>
                 <a:ea typeface="Consolas" charset="0"/>
                 <a:cs typeface="Consolas" charset="0"/>
@@ -7713,7 +7478,7 @@
               <a:t>printf</a:t>
             </a:r>
             <a:r>
-              <a:rPr lang="en-US" sz="1600" dirty="0" smtClean="0">
+              <a:rPr lang="en-US" sz="1600" dirty="0">
                 <a:latin typeface="Consolas" charset="0"/>
                 <a:ea typeface="Consolas" charset="0"/>
                 <a:cs typeface="Consolas" charset="0"/>
@@ -7721,7 +7486,7 @@
               <a:t>(“Hello World!\n”); </a:t>
             </a:r>
             <a:r>
-              <a:rPr lang="en-US" sz="1600" dirty="0" smtClean="0">
+              <a:rPr lang="en-US" sz="1600" dirty="0">
                 <a:solidFill>
                   <a:srgbClr val="00B050"/>
                 </a:solidFill>
@@ -7737,7 +7502,7 @@
               <a:buNone/>
             </a:pPr>
             <a:r>
-              <a:rPr lang="en-US" sz="1600" dirty="0" smtClean="0">
+              <a:rPr lang="en-US" sz="1600" dirty="0">
                 <a:latin typeface="Consolas" charset="0"/>
                 <a:ea typeface="Consolas" charset="0"/>
                 <a:cs typeface="Consolas" charset="0"/>
@@ -7750,7 +7515,7 @@
               <a:buNone/>
             </a:pPr>
             <a:r>
-              <a:rPr lang="en-US" sz="1600" dirty="0" smtClean="0">
+              <a:rPr lang="en-US" sz="1600" dirty="0">
                 <a:latin typeface="Consolas" charset="0"/>
                 <a:ea typeface="Consolas" charset="0"/>
                 <a:cs typeface="Consolas" charset="0"/>
@@ -7775,13 +7540,6 @@
   <p:clrMapOvr>
     <a:masterClrMapping/>
   </p:clrMapOvr>
-  <p:timing>
-    <p:tnLst>
-      <p:par>
-        <p:cTn id="1" dur="indefinite" restart="never" nodeType="tmRoot"/>
-      </p:par>
-    </p:tnLst>
-  </p:timing>
 </p:sld>
 </file>
 
@@ -7818,7 +7576,7 @@
           <a:lstStyle/>
           <a:p>
             <a:r>
-              <a:rPr lang="en-US" smtClean="0"/>
+              <a:rPr lang="en-US"/>
               <a:t>Comments</a:t>
             </a:r>
             <a:endParaRPr lang="en-US" dirty="0"/>
@@ -7843,28 +7601,27 @@
           <a:lstStyle/>
           <a:p>
             <a:r>
-              <a:rPr lang="en-US" dirty="0" smtClean="0"/>
+              <a:rPr lang="en-US" dirty="0"/>
               <a:t>Where does the first comment end?</a:t>
             </a:r>
           </a:p>
           <a:p>
-            <a:endParaRPr lang="en-US" dirty="0" smtClean="0"/>
-          </a:p>
-          <a:p>
-            <a:r>
-              <a:rPr lang="en-US" dirty="0" smtClean="0"/>
+            <a:endParaRPr lang="en-US" dirty="0"/>
+          </a:p>
+          <a:p>
+            <a:r>
+              <a:rPr lang="en-US" dirty="0"/>
               <a:t>Where does second comment end?</a:t>
             </a:r>
           </a:p>
           <a:p>
-            <a:endParaRPr lang="en-US" dirty="0" smtClean="0"/>
-          </a:p>
-          <a:p>
-            <a:r>
-              <a:rPr lang="en-US" dirty="0" smtClean="0"/>
+            <a:endParaRPr lang="en-US" dirty="0"/>
+          </a:p>
+          <a:p>
+            <a:r>
+              <a:rPr lang="en-US" dirty="0"/>
               <a:t>Some editors use different colors for comments. Help track comment termination</a:t>
             </a:r>
-            <a:endParaRPr lang="en-US" dirty="0"/>
           </a:p>
         </p:txBody>
       </p:sp>
@@ -7925,7 +7682,7 @@
               <a:buNone/>
             </a:pPr>
             <a:r>
-              <a:rPr lang="en-US" sz="1600" dirty="0" smtClean="0">
+              <a:rPr lang="en-US" sz="1600" dirty="0">
                 <a:solidFill>
                   <a:srgbClr val="00B050"/>
                 </a:solidFill>
@@ -7941,7 +7698,7 @@
               <a:buNone/>
             </a:pPr>
             <a:r>
-              <a:rPr lang="en-US" sz="1600" dirty="0" smtClean="0">
+              <a:rPr lang="en-US" sz="1600" dirty="0">
                 <a:solidFill>
                   <a:srgbClr val="00B050"/>
                 </a:solidFill>
@@ -7952,7 +7709,7 @@
               <a:t>2:   *  </a:t>
             </a:r>
             <a:r>
-              <a:rPr lang="en-US" sz="1600" dirty="0" err="1" smtClean="0">
+              <a:rPr lang="en-US" sz="1600" dirty="0" err="1">
                 <a:solidFill>
                   <a:srgbClr val="00B050"/>
                 </a:solidFill>
@@ -7963,7 +7720,7 @@
               <a:t>HelloWorld.c</a:t>
             </a:r>
             <a:r>
-              <a:rPr lang="en-US" sz="1600" dirty="0" smtClean="0">
+              <a:rPr lang="en-US" sz="1600" dirty="0">
                 <a:solidFill>
                   <a:srgbClr val="00B050"/>
                 </a:solidFill>
@@ -7979,7 +7736,7 @@
               <a:buNone/>
             </a:pPr>
             <a:r>
-              <a:rPr lang="en-US" sz="1600" dirty="0" smtClean="0">
+              <a:rPr lang="en-US" sz="1600" dirty="0">
                 <a:solidFill>
                   <a:srgbClr val="00B050"/>
                 </a:solidFill>
@@ -7995,7 +7752,7 @@
               <a:buNone/>
             </a:pPr>
             <a:r>
-              <a:rPr lang="en-US" sz="1600" dirty="0" smtClean="0">
+              <a:rPr lang="en-US" sz="1600" dirty="0">
                 <a:solidFill>
                   <a:srgbClr val="00B050"/>
                 </a:solidFill>
@@ -8011,7 +7768,7 @@
               <a:buNone/>
             </a:pPr>
             <a:r>
-              <a:rPr lang="en-US" sz="1600" dirty="0" smtClean="0">
+              <a:rPr lang="en-US" sz="1600" dirty="0">
                 <a:solidFill>
                   <a:srgbClr val="00B050"/>
                 </a:solidFill>
@@ -8022,7 +7779,7 @@
               <a:t>5:   #include &lt;</a:t>
             </a:r>
             <a:r>
-              <a:rPr lang="en-US" sz="1600" dirty="0" err="1" smtClean="0">
+              <a:rPr lang="en-US" sz="1600" dirty="0" err="1">
                 <a:solidFill>
                   <a:srgbClr val="00B050"/>
                 </a:solidFill>
@@ -8033,7 +7790,7 @@
               <a:t>stdio.h</a:t>
             </a:r>
             <a:r>
-              <a:rPr lang="en-US" sz="1600" dirty="0" smtClean="0">
+              <a:rPr lang="en-US" sz="1600" dirty="0">
                 <a:solidFill>
                   <a:srgbClr val="00B050"/>
                 </a:solidFill>
@@ -8049,7 +7806,7 @@
               <a:buNone/>
             </a:pPr>
             <a:r>
-              <a:rPr lang="en-US" sz="1600" dirty="0" smtClean="0">
+              <a:rPr lang="en-US" sz="1600" dirty="0">
                 <a:solidFill>
                   <a:srgbClr val="00B050"/>
                 </a:solidFill>
@@ -8060,7 +7817,7 @@
               <a:t>6:   </a:t>
             </a:r>
             <a:r>
-              <a:rPr lang="en-US" sz="1600" dirty="0" err="1" smtClean="0">
+              <a:rPr lang="en-US" sz="1600" dirty="0" err="1">
                 <a:solidFill>
                   <a:srgbClr val="00B050"/>
                 </a:solidFill>
@@ -8071,7 +7828,7 @@
               <a:t>int</a:t>
             </a:r>
             <a:r>
-              <a:rPr lang="en-US" sz="1600" dirty="0" smtClean="0">
+              <a:rPr lang="en-US" sz="1600" dirty="0">
                 <a:solidFill>
                   <a:srgbClr val="00B050"/>
                 </a:solidFill>
@@ -8087,7 +7844,7 @@
               <a:buNone/>
             </a:pPr>
             <a:r>
-              <a:rPr lang="en-US" sz="1600" dirty="0" smtClean="0">
+              <a:rPr lang="en-US" sz="1600" dirty="0">
                 <a:solidFill>
                   <a:srgbClr val="00B050"/>
                 </a:solidFill>
@@ -8103,7 +7860,7 @@
               <a:buNone/>
             </a:pPr>
             <a:r>
-              <a:rPr lang="en-US" sz="1600" dirty="0" smtClean="0">
+              <a:rPr lang="en-US" sz="1600" dirty="0">
                 <a:latin typeface="Consolas" charset="0"/>
                 <a:ea typeface="Consolas" charset="0"/>
                 <a:cs typeface="Consolas" charset="0"/>
@@ -8111,7 +7868,7 @@
               <a:t>8:      </a:t>
             </a:r>
             <a:r>
-              <a:rPr lang="en-US" sz="1600" dirty="0" err="1" smtClean="0">
+              <a:rPr lang="en-US" sz="1600" dirty="0" err="1">
                 <a:latin typeface="Consolas" charset="0"/>
                 <a:ea typeface="Consolas" charset="0"/>
                 <a:cs typeface="Consolas" charset="0"/>
@@ -8119,14 +7876,14 @@
               <a:t>printf</a:t>
             </a:r>
             <a:r>
-              <a:rPr lang="en-US" sz="1600" dirty="0" smtClean="0">
+              <a:rPr lang="en-US" sz="1600" dirty="0">
                 <a:latin typeface="Consolas" charset="0"/>
                 <a:ea typeface="Consolas" charset="0"/>
                 <a:cs typeface="Consolas" charset="0"/>
               </a:rPr>
               <a:t>(“Hello World!\n”); </a:t>
             </a:r>
-            <a:endParaRPr lang="en-US" sz="1600" dirty="0" smtClean="0">
+            <a:endParaRPr lang="en-US" sz="1600" dirty="0">
               <a:solidFill>
                 <a:srgbClr val="FF0000"/>
               </a:solidFill>
@@ -8140,7 +7897,7 @@
               <a:buNone/>
             </a:pPr>
             <a:r>
-              <a:rPr lang="en-US" sz="1600" dirty="0" smtClean="0">
+              <a:rPr lang="en-US" sz="1600" dirty="0">
                 <a:latin typeface="Consolas" charset="0"/>
                 <a:ea typeface="Consolas" charset="0"/>
                 <a:cs typeface="Consolas" charset="0"/>
@@ -8148,7 +7905,7 @@
               <a:t>9:      </a:t>
             </a:r>
             <a:r>
-              <a:rPr lang="en-US" sz="1600" dirty="0" smtClean="0">
+              <a:rPr lang="en-US" sz="1600" dirty="0">
                 <a:solidFill>
                   <a:srgbClr val="00B050"/>
                 </a:solidFill>
@@ -8159,7 +7916,7 @@
               <a:t>/* Do not show 2</a:t>
             </a:r>
             <a:r>
-              <a:rPr lang="en-US" sz="1600" baseline="30000" dirty="0" smtClean="0">
+              <a:rPr lang="en-US" sz="1600" baseline="30000" dirty="0">
                 <a:solidFill>
                   <a:srgbClr val="00B050"/>
                 </a:solidFill>
@@ -8170,7 +7927,7 @@
               <a:t>nd</a:t>
             </a:r>
             <a:r>
-              <a:rPr lang="en-US" sz="1600" dirty="0" smtClean="0">
+              <a:rPr lang="en-US" sz="1600" dirty="0">
                 <a:solidFill>
                   <a:srgbClr val="00B050"/>
                 </a:solidFill>
@@ -8186,7 +7943,7 @@
               <a:buNone/>
             </a:pPr>
             <a:r>
-              <a:rPr lang="en-US" sz="1600" dirty="0" smtClean="0">
+              <a:rPr lang="en-US" sz="1600" dirty="0">
                 <a:solidFill>
                   <a:srgbClr val="00B050"/>
                 </a:solidFill>
@@ -8197,7 +7954,7 @@
               <a:t>10:    </a:t>
             </a:r>
             <a:r>
-              <a:rPr lang="en-US" sz="1600" dirty="0" smtClean="0">
+              <a:rPr lang="en-US" sz="1600" dirty="0">
                 <a:solidFill>
                   <a:srgbClr val="FF0000"/>
                 </a:solidFill>
@@ -8213,7 +7970,7 @@
               <a:buNone/>
             </a:pPr>
             <a:r>
-              <a:rPr lang="en-US" sz="1600" dirty="0" smtClean="0">
+              <a:rPr lang="en-US" sz="1600" dirty="0">
                 <a:latin typeface="Consolas" charset="0"/>
                 <a:ea typeface="Consolas" charset="0"/>
                 <a:cs typeface="Consolas" charset="0"/>
@@ -8221,7 +7978,7 @@
               <a:t>11:    </a:t>
             </a:r>
             <a:r>
-              <a:rPr lang="en-US" sz="1600" dirty="0" err="1" smtClean="0">
+              <a:rPr lang="en-US" sz="1600" dirty="0" err="1">
                 <a:latin typeface="Consolas" charset="0"/>
                 <a:ea typeface="Consolas" charset="0"/>
                 <a:cs typeface="Consolas" charset="0"/>
@@ -8229,7 +7986,7 @@
               <a:t>printf</a:t>
             </a:r>
             <a:r>
-              <a:rPr lang="en-US" sz="1600" dirty="0" smtClean="0">
+              <a:rPr lang="en-US" sz="1600" dirty="0">
                 <a:latin typeface="Consolas" charset="0"/>
                 <a:ea typeface="Consolas" charset="0"/>
                 <a:cs typeface="Consolas" charset="0"/>
@@ -8237,7 +7994,7 @@
               <a:t>(“Hello World!\n”); </a:t>
             </a:r>
             <a:r>
-              <a:rPr lang="en-US" sz="1600" dirty="0" smtClean="0">
+              <a:rPr lang="en-US" sz="1600" dirty="0">
                 <a:solidFill>
                   <a:srgbClr val="00B050"/>
                 </a:solidFill>
@@ -8253,7 +8010,7 @@
               <a:buNone/>
             </a:pPr>
             <a:r>
-              <a:rPr lang="en-US" sz="1600" dirty="0" smtClean="0">
+              <a:rPr lang="en-US" sz="1600" dirty="0">
                 <a:latin typeface="Consolas" charset="0"/>
                 <a:ea typeface="Consolas" charset="0"/>
                 <a:cs typeface="Consolas" charset="0"/>
@@ -8266,7 +8023,7 @@
               <a:buNone/>
             </a:pPr>
             <a:r>
-              <a:rPr lang="en-US" sz="1600" dirty="0" smtClean="0">
+              <a:rPr lang="en-US" sz="1600" dirty="0">
                 <a:latin typeface="Consolas" charset="0"/>
                 <a:ea typeface="Consolas" charset="0"/>
                 <a:cs typeface="Consolas" charset="0"/>
@@ -8447,18 +8204,13 @@
           <a:p>
             <a:pPr algn="ctr"/>
             <a:r>
-              <a:rPr lang="en-US" sz="2400" i="1" dirty="0" smtClean="0">
+              <a:rPr lang="en-US" sz="2400" i="1" dirty="0">
                 <a:solidFill>
                   <a:srgbClr val="C00000"/>
                 </a:solidFill>
               </a:rPr>
               <a:t>Syntax error</a:t>
             </a:r>
-            <a:endParaRPr lang="en-US" sz="2400" i="1" dirty="0">
-              <a:solidFill>
-                <a:srgbClr val="C00000"/>
-              </a:solidFill>
-            </a:endParaRPr>
           </a:p>
         </p:txBody>
       </p:sp>
@@ -8815,7 +8567,7 @@
           <a:lstStyle/>
           <a:p>
             <a:r>
-              <a:rPr lang="en-US" sz="4000" dirty="0" smtClean="0">
+              <a:rPr lang="en-US" sz="4000" dirty="0">
                 <a:solidFill>
                   <a:srgbClr val="0CFA02"/>
                 </a:solidFill>
@@ -8823,7 +8575,7 @@
               <a:t>At the first </a:t>
             </a:r>
             <a:r>
-              <a:rPr lang="en-US" sz="4000" dirty="0" smtClean="0">
+              <a:rPr lang="en-US" sz="4000" dirty="0">
                 <a:solidFill>
                   <a:srgbClr val="0CFA02"/>
                 </a:solidFill>
@@ -8836,7 +8588,7 @@
           </a:p>
           <a:p>
             <a:r>
-              <a:rPr lang="en-US" sz="4000" dirty="0" smtClean="0">
+              <a:rPr lang="en-US" sz="4000" dirty="0">
                 <a:solidFill>
                   <a:srgbClr val="FEFB01"/>
                 </a:solidFill>
@@ -8846,7 +8598,7 @@
               <a:t>At the last </a:t>
             </a:r>
             <a:r>
-              <a:rPr lang="en-US" sz="4000" dirty="0" smtClean="0">
+              <a:rPr lang="en-US" sz="4000" dirty="0">
                 <a:solidFill>
                   <a:srgbClr val="FEFB01"/>
                 </a:solidFill>
@@ -8859,7 +8611,7 @@
           </a:p>
           <a:p>
             <a:r>
-              <a:rPr lang="en-US" sz="4000" dirty="0" smtClean="0">
+              <a:rPr lang="en-US" sz="4000" dirty="0">
                 <a:solidFill>
                   <a:srgbClr val="F5A007"/>
                 </a:solidFill>
@@ -8869,7 +8621,7 @@
               <a:t>At the first </a:t>
             </a:r>
             <a:r>
-              <a:rPr lang="en-US" sz="4000" dirty="0" smtClean="0">
+              <a:rPr lang="en-US" sz="4000" dirty="0">
                 <a:solidFill>
                   <a:srgbClr val="F5A007"/>
                 </a:solidFill>
@@ -8882,7 +8634,7 @@
           </a:p>
           <a:p>
             <a:r>
-              <a:rPr lang="en-US" sz="4000" dirty="0" smtClean="0">
+              <a:rPr lang="en-US" sz="4000" dirty="0">
                 <a:solidFill>
                   <a:srgbClr val="F21AF1"/>
                 </a:solidFill>
@@ -8892,7 +8644,7 @@
               <a:t>At the last </a:t>
             </a:r>
             <a:r>
-              <a:rPr lang="en-US" sz="4000" dirty="0" smtClean="0">
+              <a:rPr lang="en-US" sz="4000" dirty="0">
                 <a:solidFill>
                   <a:srgbClr val="F21AF1"/>
                 </a:solidFill>
@@ -8902,14 +8654,6 @@
               </a:rPr>
               <a:t>*/</a:t>
             </a:r>
-            <a:endParaRPr lang="en-US" sz="4000" dirty="0">
-              <a:solidFill>
-                <a:srgbClr val="F21AF1"/>
-              </a:solidFill>
-              <a:latin typeface="Consolas" charset="0"/>
-              <a:ea typeface="Consolas" charset="0"/>
-              <a:cs typeface="Consolas" charset="0"/>
-            </a:endParaRPr>
           </a:p>
         </p:txBody>
       </p:sp>
@@ -8960,10 +8704,9 @@
           <a:lstStyle/>
           <a:p>
             <a:r>
-              <a:rPr lang="en-US" sz="3200" dirty="0" smtClean="0"/>
+              <a:rPr lang="en-US" sz="3200" dirty="0"/>
               <a:t>Where does the multiline comment end?</a:t>
             </a:r>
-            <a:endParaRPr lang="en-US" sz="3200" dirty="0"/>
           </a:p>
         </p:txBody>
       </p:sp>
@@ -8977,217 +8720,10 @@
   <p:clrMapOvr>
     <a:masterClrMapping/>
   </p:clrMapOvr>
-  <p:timing>
-    <p:tnLst>
-      <p:par>
-        <p:cTn id="1" dur="indefinite" restart="never" nodeType="tmRoot"/>
-      </p:par>
-    </p:tnLst>
-  </p:timing>
 </p:sld>
 </file>
 
 <file path=ppt/slides/slide19.xml><?xml version="1.0" encoding="utf-8"?>
-<p:sld xmlns:a="http://schemas.openxmlformats.org/drawingml/2006/main" xmlns:r="http://schemas.openxmlformats.org/officeDocument/2006/relationships" xmlns:p="http://schemas.openxmlformats.org/presentationml/2006/main">
-  <p:cSld>
-    <p:bg>
-      <p:bgPr>
-        <a:solidFill>
-          <a:schemeClr val="accent1"/>
-        </a:solidFill>
-        <a:effectLst/>
-      </p:bgPr>
-    </p:bg>
-    <p:spTree>
-      <p:nvGrpSpPr>
-        <p:cNvPr id="1" name=""/>
-        <p:cNvGrpSpPr/>
-        <p:nvPr/>
-      </p:nvGrpSpPr>
-      <p:grpSpPr>
-        <a:xfrm>
-          <a:off x="0" y="0"/>
-          <a:ext cx="0" cy="0"/>
-          <a:chOff x="0" y="0"/>
-          <a:chExt cx="0" cy="0"/>
-        </a:xfrm>
-      </p:grpSpPr>
-      <p:sp>
-        <p:nvSpPr>
-          <p:cNvPr id="3" name="Content Placeholder 2"/>
-          <p:cNvSpPr>
-            <a:spLocks noGrp="1"/>
-          </p:cNvSpPr>
-          <p:nvPr>
-            <p:ph idx="1"/>
-          </p:nvPr>
-        </p:nvSpPr>
-        <p:spPr>
-          <a:xfrm>
-            <a:off x="1371600" y="2743200"/>
-            <a:ext cx="6446520" cy="2751138"/>
-          </a:xfrm>
-        </p:spPr>
-        <p:txBody>
-          <a:bodyPr>
-            <a:noAutofit/>
-          </a:bodyPr>
-          <a:lstStyle/>
-          <a:p>
-            <a:r>
-              <a:rPr lang="en-US" sz="4000" dirty="0" smtClean="0">
-                <a:solidFill>
-                  <a:srgbClr val="0CFA02"/>
-                </a:solidFill>
-              </a:rPr>
-              <a:t>At the end of the line</a:t>
-            </a:r>
-            <a:endParaRPr lang="en-US" sz="4000" dirty="0" smtClean="0">
-              <a:solidFill>
-                <a:srgbClr val="0CFA02"/>
-              </a:solidFill>
-              <a:latin typeface="Consolas" charset="0"/>
-              <a:ea typeface="Consolas" charset="0"/>
-              <a:cs typeface="Consolas" charset="0"/>
-            </a:endParaRPr>
-          </a:p>
-          <a:p>
-            <a:r>
-              <a:rPr lang="en-US" sz="4000" dirty="0" smtClean="0">
-                <a:solidFill>
-                  <a:srgbClr val="FEFB01"/>
-                </a:solidFill>
-                <a:ea typeface="Consolas" charset="0"/>
-                <a:cs typeface="Consolas" charset="0"/>
-              </a:rPr>
-              <a:t>At the end of the line</a:t>
-            </a:r>
-            <a:endParaRPr lang="en-US" sz="4000" dirty="0" smtClean="0">
-              <a:solidFill>
-                <a:srgbClr val="FEFB01"/>
-              </a:solidFill>
-              <a:latin typeface="Consolas" charset="0"/>
-              <a:ea typeface="Consolas" charset="0"/>
-              <a:cs typeface="Consolas" charset="0"/>
-            </a:endParaRPr>
-          </a:p>
-          <a:p>
-            <a:r>
-              <a:rPr lang="en-US" sz="4000" dirty="0" smtClean="0">
-                <a:solidFill>
-                  <a:srgbClr val="F5A007"/>
-                </a:solidFill>
-                <a:ea typeface="Consolas" charset="0"/>
-                <a:cs typeface="Consolas" charset="0"/>
-              </a:rPr>
-              <a:t>At the end of the line</a:t>
-            </a:r>
-            <a:endParaRPr lang="en-US" sz="4000" dirty="0" smtClean="0">
-              <a:solidFill>
-                <a:srgbClr val="F5A007"/>
-              </a:solidFill>
-              <a:latin typeface="Consolas" charset="0"/>
-              <a:ea typeface="Consolas" charset="0"/>
-              <a:cs typeface="Consolas" charset="0"/>
-            </a:endParaRPr>
-          </a:p>
-          <a:p>
-            <a:r>
-              <a:rPr lang="en-US" sz="4000" dirty="0" smtClean="0">
-                <a:solidFill>
-                  <a:srgbClr val="F21AF1"/>
-                </a:solidFill>
-                <a:ea typeface="Consolas" charset="0"/>
-                <a:cs typeface="Consolas" charset="0"/>
-              </a:rPr>
-              <a:t>Somewhere else???</a:t>
-            </a:r>
-            <a:endParaRPr lang="en-US" sz="4000" dirty="0">
-              <a:solidFill>
-                <a:srgbClr val="F21AF1"/>
-              </a:solidFill>
-              <a:latin typeface="Consolas" charset="0"/>
-              <a:ea typeface="Consolas" charset="0"/>
-              <a:cs typeface="Consolas" charset="0"/>
-            </a:endParaRPr>
-          </a:p>
-        </p:txBody>
-      </p:sp>
-      <p:sp>
-        <p:nvSpPr>
-          <p:cNvPr id="4" name="Slide Number Placeholder 3"/>
-          <p:cNvSpPr>
-            <a:spLocks noGrp="1"/>
-          </p:cNvSpPr>
-          <p:nvPr>
-            <p:ph type="sldNum" sz="quarter" idx="12"/>
-          </p:nvPr>
-        </p:nvSpPr>
-        <p:spPr/>
-        <p:txBody>
-          <a:bodyPr/>
-          <a:lstStyle/>
-          <a:p>
-            <a:fld id="{B6F15528-21DE-4FAA-801E-634DDDAF4B2B}" type="slidenum">
-              <a:rPr lang="en-US" smtClean="0"/>
-              <a:pPr/>
-              <a:t>19</a:t>
-            </a:fld>
-            <a:endParaRPr lang="en-US"/>
-          </a:p>
-        </p:txBody>
-      </p:sp>
-      <p:sp>
-        <p:nvSpPr>
-          <p:cNvPr id="2" name="TextBox 1"/>
-          <p:cNvSpPr txBox="1"/>
-          <p:nvPr/>
-        </p:nvSpPr>
-        <p:spPr>
-          <a:xfrm>
-            <a:off x="914400" y="685800"/>
-            <a:ext cx="4979437" cy="1077218"/>
-          </a:xfrm>
-          <a:prstGeom prst="rect">
-            <a:avLst/>
-          </a:prstGeom>
-          <a:noFill/>
-        </p:spPr>
-        <p:txBody>
-          <a:bodyPr wrap="square" rtlCol="0">
-            <a:spAutoFit/>
-          </a:bodyPr>
-          <a:lstStyle/>
-          <a:p>
-            <a:r>
-              <a:rPr lang="en-US" sz="3200" dirty="0" smtClean="0"/>
-              <a:t>Where does the single line comment end?</a:t>
-            </a:r>
-            <a:endParaRPr lang="en-US" sz="3200" dirty="0"/>
-          </a:p>
-        </p:txBody>
-      </p:sp>
-    </p:spTree>
-    <p:extLst>
-      <p:ext uri="{BB962C8B-B14F-4D97-AF65-F5344CB8AC3E}">
-        <p14:creationId xmlns:p14="http://schemas.microsoft.com/office/powerpoint/2010/main" val="298441977"/>
-      </p:ext>
-    </p:extLst>
-  </p:cSld>
-  <p:clrMapOvr>
-    <a:masterClrMapping/>
-  </p:clrMapOvr>
-  <p:timing>
-    <p:tnLst>
-      <p:par>
-        <p:cTn id="1" dur="indefinite" restart="never" nodeType="tmRoot"/>
-      </p:par>
-    </p:tnLst>
-  </p:timing>
-</p:sld>
-</file>
-
-<file path=ppt/slides/slide2.xml><?xml version="1.0" encoding="utf-8"?>
 <p:sld xmlns:a="http://schemas.openxmlformats.org/drawingml/2006/main" xmlns:r="http://schemas.openxmlformats.org/officeDocument/2006/relationships" xmlns:p="http://schemas.openxmlformats.org/presentationml/2006/main">
   <p:cSld>
     <p:spTree>
@@ -9214,16 +8750,22 @@
             <p:ph type="title"/>
           </p:nvPr>
         </p:nvSpPr>
-        <p:spPr/>
-        <p:txBody>
-          <a:bodyPr/>
-          <a:lstStyle/>
-          <a:p>
-            <a:r>
-              <a:rPr lang="en-US" dirty="0" smtClean="0"/>
-              <a:t>Administration</a:t>
-            </a:r>
-            <a:endParaRPr lang="en-US" dirty="0"/>
+        <p:spPr>
+          <a:xfrm>
+            <a:off x="946404" y="365760"/>
+            <a:ext cx="7269480" cy="624840"/>
+          </a:xfrm>
+        </p:spPr>
+        <p:txBody>
+          <a:bodyPr>
+            <a:normAutofit fontScale="90000"/>
+          </a:bodyPr>
+          <a:lstStyle/>
+          <a:p>
+            <a:r>
+              <a:rPr lang="en-US" dirty="0"/>
+              <a:t>Example</a:t>
+            </a:r>
           </a:p>
         </p:txBody>
       </p:sp>
@@ -9237,202 +8779,6 @@
             <p:ph idx="1"/>
           </p:nvPr>
         </p:nvSpPr>
-        <p:spPr/>
-        <p:txBody>
-          <a:bodyPr/>
-          <a:lstStyle/>
-          <a:p>
-            <a:r>
-              <a:rPr lang="en-US" dirty="0" smtClean="0"/>
-              <a:t>The first (real) HackerRank Assignment will be emailed out on Friday.</a:t>
-            </a:r>
-          </a:p>
-          <a:p>
-            <a:pPr lvl="1"/>
-            <a:r>
-              <a:rPr lang="en-US" dirty="0" smtClean="0"/>
-              <a:t>As always, the assignment will be due on Thursday at 10pm.</a:t>
-            </a:r>
-          </a:p>
-          <a:p>
-            <a:pPr lvl="1"/>
-            <a:r>
-              <a:rPr lang="en-US" dirty="0" smtClean="0"/>
-              <a:t>Be sure to click the button "I'm done with this test", else you won't receive credit.</a:t>
-            </a:r>
-          </a:p>
-          <a:p>
-            <a:pPr lvl="1"/>
-            <a:r>
-              <a:rPr lang="en-US" dirty="0" smtClean="0"/>
-              <a:t>The content will include material from Wednesday's and next Monday's lectures. </a:t>
-            </a:r>
-            <a:endParaRPr lang="en-US" dirty="0"/>
-          </a:p>
-        </p:txBody>
-      </p:sp>
-      <p:sp>
-        <p:nvSpPr>
-          <p:cNvPr id="4" name="Slide Number Placeholder 3"/>
-          <p:cNvSpPr>
-            <a:spLocks noGrp="1"/>
-          </p:cNvSpPr>
-          <p:nvPr>
-            <p:ph type="sldNum" sz="quarter" idx="12"/>
-          </p:nvPr>
-        </p:nvSpPr>
-        <p:spPr/>
-        <p:txBody>
-          <a:bodyPr/>
-          <a:lstStyle/>
-          <a:p>
-            <a:fld id="{B6F15528-21DE-4FAA-801E-634DDDAF4B2B}" type="slidenum">
-              <a:rPr lang="en-US" smtClean="0"/>
-              <a:pPr/>
-              <a:t>2</a:t>
-            </a:fld>
-            <a:endParaRPr lang="en-US"/>
-          </a:p>
-        </p:txBody>
-      </p:sp>
-      <p:sp>
-        <p:nvSpPr>
-          <p:cNvPr id="5" name="TextBox 4"/>
-          <p:cNvSpPr txBox="1"/>
-          <p:nvPr/>
-        </p:nvSpPr>
-        <p:spPr>
-          <a:xfrm>
-            <a:off x="4784946" y="4973155"/>
-            <a:ext cx="3200400" cy="938719"/>
-          </a:xfrm>
-          <a:prstGeom prst="rect">
-            <a:avLst/>
-          </a:prstGeom>
-          <a:noFill/>
-        </p:spPr>
-        <p:txBody>
-          <a:bodyPr wrap="square" rtlCol="0">
-            <a:spAutoFit/>
-          </a:bodyPr>
-          <a:lstStyle/>
-          <a:p>
-            <a:r>
-              <a:rPr lang="en-US" sz="1100" dirty="0"/>
-              <a:t>http://</a:t>
-            </a:r>
-            <a:r>
-              <a:rPr lang="en-US" sz="1100" dirty="0" err="1"/>
-              <a:t>image.slidesharecdn.com</a:t>
-            </a:r>
-            <a:r>
-              <a:rPr lang="en-US" sz="1100" dirty="0"/>
-              <a:t>/thoughtasasystemvsmatrixasasystem-150723034819-lva1-app6892/95/the-matrix-as-a-system-vs-thought-as-a-system-2-638.jpg?cb=1437629254</a:t>
-            </a:r>
-          </a:p>
-        </p:txBody>
-      </p:sp>
-      <p:pic>
-        <p:nvPicPr>
-          <p:cNvPr id="6" name="Picture 5"/>
-          <p:cNvPicPr>
-            <a:picLocks noChangeAspect="1"/>
-          </p:cNvPicPr>
-          <p:nvPr/>
-        </p:nvPicPr>
-        <p:blipFill>
-          <a:blip r:embed="rId2"/>
-          <a:stretch>
-            <a:fillRect/>
-          </a:stretch>
-        </p:blipFill>
-        <p:spPr>
-          <a:xfrm>
-            <a:off x="748180" y="3885090"/>
-            <a:ext cx="3900020" cy="2928071"/>
-          </a:xfrm>
-          <a:prstGeom prst="rect">
-            <a:avLst/>
-          </a:prstGeom>
-        </p:spPr>
-      </p:pic>
-    </p:spTree>
-    <p:extLst>
-      <p:ext uri="{BB962C8B-B14F-4D97-AF65-F5344CB8AC3E}">
-        <p14:creationId xmlns:p14="http://schemas.microsoft.com/office/powerpoint/2010/main" val="1935724568"/>
-      </p:ext>
-    </p:extLst>
-  </p:cSld>
-  <p:clrMapOvr>
-    <a:masterClrMapping/>
-  </p:clrMapOvr>
-  <p:timing>
-    <p:tnLst>
-      <p:par>
-        <p:cTn id="1" dur="indefinite" restart="never" nodeType="tmRoot"/>
-      </p:par>
-    </p:tnLst>
-  </p:timing>
-</p:sld>
-</file>
-
-<file path=ppt/slides/slide20.xml><?xml version="1.0" encoding="utf-8"?>
-<p:sld xmlns:a="http://schemas.openxmlformats.org/drawingml/2006/main" xmlns:r="http://schemas.openxmlformats.org/officeDocument/2006/relationships" xmlns:p="http://schemas.openxmlformats.org/presentationml/2006/main">
-  <p:cSld>
-    <p:spTree>
-      <p:nvGrpSpPr>
-        <p:cNvPr id="1" name=""/>
-        <p:cNvGrpSpPr/>
-        <p:nvPr/>
-      </p:nvGrpSpPr>
-      <p:grpSpPr>
-        <a:xfrm>
-          <a:off x="0" y="0"/>
-          <a:ext cx="0" cy="0"/>
-          <a:chOff x="0" y="0"/>
-          <a:chExt cx="0" cy="0"/>
-        </a:xfrm>
-      </p:grpSpPr>
-      <p:sp>
-        <p:nvSpPr>
-          <p:cNvPr id="2" name="Title 1"/>
-          <p:cNvSpPr>
-            <a:spLocks noGrp="1"/>
-          </p:cNvSpPr>
-          <p:nvPr>
-            <p:ph type="title"/>
-          </p:nvPr>
-        </p:nvSpPr>
-        <p:spPr>
-          <a:xfrm>
-            <a:off x="946404" y="365760"/>
-            <a:ext cx="7269480" cy="624840"/>
-          </a:xfrm>
-        </p:spPr>
-        <p:txBody>
-          <a:bodyPr>
-            <a:normAutofit fontScale="90000"/>
-          </a:bodyPr>
-          <a:lstStyle/>
-          <a:p>
-            <a:r>
-              <a:rPr lang="en-US" dirty="0" smtClean="0"/>
-              <a:t>Example</a:t>
-            </a:r>
-            <a:endParaRPr lang="en-US" dirty="0"/>
-          </a:p>
-        </p:txBody>
-      </p:sp>
-      <p:sp>
-        <p:nvSpPr>
-          <p:cNvPr id="3" name="Content Placeholder 2"/>
-          <p:cNvSpPr>
-            <a:spLocks noGrp="1"/>
-          </p:cNvSpPr>
-          <p:nvPr>
-            <p:ph idx="1"/>
-          </p:nvPr>
-        </p:nvSpPr>
         <p:spPr>
           <a:xfrm>
             <a:off x="946404" y="1027922"/>
@@ -9449,7 +8795,7 @@
               <a:buNone/>
             </a:pPr>
             <a:r>
-              <a:rPr lang="en-US" sz="2800" dirty="0" smtClean="0"/>
+              <a:rPr lang="en-US" sz="2800" dirty="0"/>
               <a:t>Write a program that takes two numbers from the user and outputs their sum</a:t>
             </a:r>
           </a:p>
@@ -9457,19 +8803,19 @@
             <a:pPr>
               <a:buNone/>
             </a:pPr>
-            <a:endParaRPr lang="en-US" dirty="0" smtClean="0"/>
+            <a:endParaRPr lang="en-US" dirty="0"/>
           </a:p>
           <a:p>
             <a:pPr>
               <a:buNone/>
             </a:pPr>
-            <a:endParaRPr lang="en-US" dirty="0" smtClean="0"/>
+            <a:endParaRPr lang="en-US" dirty="0"/>
           </a:p>
           <a:p>
             <a:pPr>
               <a:buNone/>
             </a:pPr>
-            <a:endParaRPr lang="en-US" dirty="0" smtClean="0"/>
+            <a:endParaRPr lang="en-US" dirty="0"/>
           </a:p>
         </p:txBody>
       </p:sp>
@@ -9503,7 +8849,7 @@
               <a:buNone/>
             </a:pPr>
             <a:r>
-              <a:rPr lang="en-US" dirty="0" smtClean="0">
+              <a:rPr lang="en-US" dirty="0">
                 <a:solidFill>
                   <a:srgbClr val="000099"/>
                 </a:solidFill>
@@ -9514,7 +8860,7 @@
               <a:t>#include &lt;</a:t>
             </a:r>
             <a:r>
-              <a:rPr lang="en-US" dirty="0" err="1" smtClean="0">
+              <a:rPr lang="en-US" dirty="0" err="1">
                 <a:solidFill>
                   <a:srgbClr val="000099"/>
                 </a:solidFill>
@@ -9525,7 +8871,7 @@
               <a:t>stdio.h</a:t>
             </a:r>
             <a:r>
-              <a:rPr lang="en-US" dirty="0" smtClean="0">
+              <a:rPr lang="en-US" dirty="0">
                 <a:solidFill>
                   <a:srgbClr val="000099"/>
                 </a:solidFill>
@@ -9541,7 +8887,7 @@
               <a:buNone/>
             </a:pPr>
             <a:r>
-              <a:rPr lang="en-US" dirty="0" err="1" smtClean="0">
+              <a:rPr lang="en-US" dirty="0" err="1">
                 <a:solidFill>
                   <a:srgbClr val="000099"/>
                 </a:solidFill>
@@ -9552,7 +8898,7 @@
               <a:t>int</a:t>
             </a:r>
             <a:r>
-              <a:rPr lang="en-US" dirty="0" smtClean="0">
+              <a:rPr lang="en-US" dirty="0">
                 <a:solidFill>
                   <a:srgbClr val="000099"/>
                 </a:solidFill>
@@ -9568,7 +8914,7 @@
               <a:buNone/>
             </a:pPr>
             <a:r>
-              <a:rPr lang="en-US" dirty="0" smtClean="0">
+              <a:rPr lang="en-US" dirty="0">
                 <a:solidFill>
                   <a:srgbClr val="000099"/>
                 </a:solidFill>
@@ -9579,7 +8925,7 @@
               <a:t>    </a:t>
             </a:r>
             <a:r>
-              <a:rPr lang="en-US" dirty="0" smtClean="0">
+              <a:rPr lang="en-US" dirty="0">
                 <a:solidFill>
                   <a:srgbClr val="00B050"/>
                 </a:solidFill>
@@ -9595,7 +8941,7 @@
               <a:buNone/>
             </a:pPr>
             <a:r>
-              <a:rPr lang="en-US" dirty="0" smtClean="0">
+              <a:rPr lang="en-US" dirty="0">
                 <a:solidFill>
                   <a:srgbClr val="000099"/>
                 </a:solidFill>
@@ -9606,7 +8952,7 @@
               <a:t>    </a:t>
             </a:r>
             <a:r>
-              <a:rPr lang="en-US" dirty="0" err="1" smtClean="0">
+              <a:rPr lang="en-US" dirty="0" err="1">
                 <a:solidFill>
                   <a:srgbClr val="000099"/>
                 </a:solidFill>
@@ -9617,7 +8963,7 @@
               <a:t>printf</a:t>
             </a:r>
             <a:r>
-              <a:rPr lang="en-US" dirty="0" smtClean="0">
+              <a:rPr lang="en-US" dirty="0">
                 <a:solidFill>
                   <a:srgbClr val="000099"/>
                 </a:solidFill>
@@ -9633,7 +8979,7 @@
               <a:buNone/>
             </a:pPr>
             <a:r>
-              <a:rPr lang="en-US" dirty="0" smtClean="0">
+              <a:rPr lang="en-US" dirty="0">
                 <a:solidFill>
                   <a:srgbClr val="000099"/>
                 </a:solidFill>
@@ -9649,7 +8995,7 @@
               <a:buNone/>
             </a:pPr>
             <a:r>
-              <a:rPr lang="en-US" dirty="0" smtClean="0">
+              <a:rPr lang="en-US" dirty="0">
                 <a:solidFill>
                   <a:srgbClr val="000099"/>
                 </a:solidFill>
@@ -9660,7 +9006,7 @@
               <a:t>    </a:t>
             </a:r>
             <a:r>
-              <a:rPr lang="en-US" dirty="0" smtClean="0">
+              <a:rPr lang="en-US" dirty="0">
                 <a:solidFill>
                   <a:srgbClr val="00B050"/>
                 </a:solidFill>
@@ -9676,7 +9022,7 @@
               <a:buNone/>
             </a:pPr>
             <a:r>
-              <a:rPr lang="en-US" dirty="0" smtClean="0">
+              <a:rPr lang="en-US" dirty="0">
                 <a:solidFill>
                   <a:srgbClr val="000099"/>
                 </a:solidFill>
@@ -9700,21 +9046,10 @@
                 <a:ea typeface="Consolas" charset="0"/>
                 <a:cs typeface="Consolas" charset="0"/>
               </a:rPr>
-              <a:t>  </a:t>
-            </a:r>
-            <a:r>
-              <a:rPr lang="en-US" dirty="0" smtClean="0">
-                <a:solidFill>
-                  <a:srgbClr val="000099"/>
-                </a:solidFill>
-                <a:latin typeface="Consolas" charset="0"/>
-                <a:ea typeface="Consolas" charset="0"/>
-                <a:cs typeface="Consolas" charset="0"/>
-              </a:rPr>
-              <a:t>  </a:t>
-            </a:r>
-            <a:r>
-              <a:rPr lang="en-US" dirty="0" smtClean="0">
+              <a:t>    </a:t>
+            </a:r>
+            <a:r>
+              <a:rPr lang="en-US" dirty="0">
                 <a:solidFill>
                   <a:srgbClr val="00B050"/>
                 </a:solidFill>
@@ -9723,89 +9058,6 @@
                 <a:cs typeface="Consolas" charset="0"/>
               </a:rPr>
               <a:t>//Ask for second number, read it and record it …   </a:t>
-            </a:r>
-            <a:endParaRPr lang="en-US" dirty="0" smtClean="0">
-              <a:solidFill>
-                <a:srgbClr val="000099"/>
-              </a:solidFill>
-              <a:latin typeface="Consolas" charset="0"/>
-              <a:ea typeface="Consolas" charset="0"/>
-              <a:cs typeface="Consolas" charset="0"/>
-            </a:endParaRPr>
-          </a:p>
-          <a:p>
-            <a:pPr>
-              <a:buNone/>
-            </a:pPr>
-            <a:r>
-              <a:rPr lang="en-US" dirty="0" smtClean="0">
-                <a:solidFill>
-                  <a:srgbClr val="000099"/>
-                </a:solidFill>
-                <a:latin typeface="Consolas" charset="0"/>
-                <a:ea typeface="Consolas" charset="0"/>
-                <a:cs typeface="Consolas" charset="0"/>
-              </a:rPr>
-              <a:t>    </a:t>
-            </a:r>
-          </a:p>
-          <a:p>
-            <a:pPr>
-              <a:buNone/>
-            </a:pPr>
-            <a:r>
-              <a:rPr lang="en-US" dirty="0" smtClean="0">
-                <a:solidFill>
-                  <a:srgbClr val="000099"/>
-                </a:solidFill>
-                <a:latin typeface="Consolas" charset="0"/>
-                <a:ea typeface="Consolas" charset="0"/>
-                <a:cs typeface="Consolas" charset="0"/>
-              </a:rPr>
-              <a:t>    </a:t>
-            </a:r>
-            <a:r>
-              <a:rPr lang="en-US" dirty="0" smtClean="0">
-                <a:solidFill>
-                  <a:srgbClr val="00B050"/>
-                </a:solidFill>
-                <a:latin typeface="Consolas" charset="0"/>
-                <a:ea typeface="Consolas" charset="0"/>
-                <a:cs typeface="Consolas" charset="0"/>
-              </a:rPr>
-              <a:t>//Exit the function returning an integer</a:t>
-            </a:r>
-          </a:p>
-          <a:p>
-            <a:pPr>
-              <a:buNone/>
-            </a:pPr>
-            <a:r>
-              <a:rPr lang="en-US" dirty="0" smtClean="0">
-                <a:solidFill>
-                  <a:srgbClr val="000099"/>
-                </a:solidFill>
-                <a:latin typeface="Consolas" charset="0"/>
-                <a:ea typeface="Consolas" charset="0"/>
-                <a:cs typeface="Consolas" charset="0"/>
-              </a:rPr>
-              <a:t>    return 0;</a:t>
-            </a:r>
-          </a:p>
-          <a:p>
-            <a:pPr>
-              <a:buNone/>
-            </a:pPr>
-            <a:r>
-              <a:rPr lang="en-US" dirty="0" smtClean="0">
-                <a:solidFill>
-                  <a:srgbClr val="000099"/>
-                </a:solidFill>
-                <a:latin typeface="Consolas" charset="0"/>
-                <a:ea typeface="Consolas" charset="0"/>
-                <a:cs typeface="Consolas" charset="0"/>
-              </a:rPr>
-              <a:t> }</a:t>
             </a:r>
             <a:endParaRPr lang="en-US" dirty="0">
               <a:solidFill>
@@ -9816,6 +9068,81 @@
               <a:cs typeface="Consolas" charset="0"/>
             </a:endParaRPr>
           </a:p>
+          <a:p>
+            <a:pPr>
+              <a:buNone/>
+            </a:pPr>
+            <a:r>
+              <a:rPr lang="en-US" dirty="0">
+                <a:solidFill>
+                  <a:srgbClr val="000099"/>
+                </a:solidFill>
+                <a:latin typeface="Consolas" charset="0"/>
+                <a:ea typeface="Consolas" charset="0"/>
+                <a:cs typeface="Consolas" charset="0"/>
+              </a:rPr>
+              <a:t>    </a:t>
+            </a:r>
+          </a:p>
+          <a:p>
+            <a:pPr>
+              <a:buNone/>
+            </a:pPr>
+            <a:r>
+              <a:rPr lang="en-US" dirty="0">
+                <a:solidFill>
+                  <a:srgbClr val="000099"/>
+                </a:solidFill>
+                <a:latin typeface="Consolas" charset="0"/>
+                <a:ea typeface="Consolas" charset="0"/>
+                <a:cs typeface="Consolas" charset="0"/>
+              </a:rPr>
+              <a:t>    </a:t>
+            </a:r>
+            <a:r>
+              <a:rPr lang="en-US" dirty="0">
+                <a:solidFill>
+                  <a:srgbClr val="00B050"/>
+                </a:solidFill>
+                <a:latin typeface="Consolas" charset="0"/>
+                <a:ea typeface="Consolas" charset="0"/>
+                <a:cs typeface="Consolas" charset="0"/>
+              </a:rPr>
+              <a:t>//Exit the function returning an integer</a:t>
+            </a:r>
+          </a:p>
+          <a:p>
+            <a:pPr>
+              <a:buNone/>
+            </a:pPr>
+            <a:r>
+              <a:rPr lang="en-US" dirty="0">
+                <a:solidFill>
+                  <a:srgbClr val="000099"/>
+                </a:solidFill>
+                <a:latin typeface="Consolas" charset="0"/>
+                <a:ea typeface="Consolas" charset="0"/>
+                <a:cs typeface="Consolas" charset="0"/>
+              </a:rPr>
+              <a:t>    return 0;</a:t>
+            </a:r>
+          </a:p>
+          <a:p>
+            <a:pPr>
+              <a:buNone/>
+            </a:pPr>
+            <a:r>
+              <a:rPr lang="en-US" dirty="0">
+                <a:solidFill>
+                  <a:srgbClr val="000099"/>
+                </a:solidFill>
+                <a:latin typeface="Consolas" charset="0"/>
+                <a:ea typeface="Consolas" charset="0"/>
+                <a:cs typeface="Consolas" charset="0"/>
+              </a:rPr>
+              <a:t> }</a:t>
+            </a:r>
+          </a:p>
         </p:txBody>
       </p:sp>
       <p:sp>
@@ -9836,7 +9163,7 @@
             <a:fld id="{B6F15528-21DE-4FAA-801E-634DDDAF4B2B}" type="slidenum">
               <a:rPr lang="en-US" smtClean="0"/>
               <a:pPr/>
-              <a:t>20</a:t>
+              <a:t>19</a:t>
             </a:fld>
             <a:endParaRPr lang="en-US"/>
           </a:p>
@@ -10339,6 +9666,133 @@
 </p:sld>
 </file>
 
+<file path=ppt/slides/slide2.xml><?xml version="1.0" encoding="utf-8"?>
+<p:sld xmlns:a="http://schemas.openxmlformats.org/drawingml/2006/main" xmlns:r="http://schemas.openxmlformats.org/officeDocument/2006/relationships" xmlns:p="http://schemas.openxmlformats.org/presentationml/2006/main">
+  <p:cSld>
+    <p:spTree>
+      <p:nvGrpSpPr>
+        <p:cNvPr id="1" name=""/>
+        <p:cNvGrpSpPr/>
+        <p:nvPr/>
+      </p:nvGrpSpPr>
+      <p:grpSpPr>
+        <a:xfrm>
+          <a:off x="0" y="0"/>
+          <a:ext cx="0" cy="0"/>
+          <a:chOff x="0" y="0"/>
+          <a:chExt cx="0" cy="0"/>
+        </a:xfrm>
+      </p:grpSpPr>
+      <p:sp>
+        <p:nvSpPr>
+          <p:cNvPr id="2" name="Title 1"/>
+          <p:cNvSpPr>
+            <a:spLocks noGrp="1"/>
+          </p:cNvSpPr>
+          <p:nvPr>
+            <p:ph type="title"/>
+          </p:nvPr>
+        </p:nvSpPr>
+        <p:spPr/>
+        <p:txBody>
+          <a:bodyPr/>
+          <a:lstStyle/>
+          <a:p>
+            <a:r>
+              <a:rPr lang="en-US" dirty="0"/>
+              <a:t>Administration</a:t>
+            </a:r>
+          </a:p>
+        </p:txBody>
+      </p:sp>
+      <p:sp>
+        <p:nvSpPr>
+          <p:cNvPr id="3" name="Content Placeholder 2"/>
+          <p:cNvSpPr>
+            <a:spLocks noGrp="1"/>
+          </p:cNvSpPr>
+          <p:nvPr>
+            <p:ph idx="1"/>
+          </p:nvPr>
+        </p:nvSpPr>
+        <p:spPr/>
+        <p:txBody>
+          <a:bodyPr/>
+          <a:lstStyle/>
+          <a:p>
+            <a:r>
+              <a:rPr lang="en-US" dirty="0"/>
+              <a:t>The first (real) </a:t>
+            </a:r>
+            <a:r>
+              <a:rPr lang="en-US" dirty="0" err="1"/>
+              <a:t>Mimir</a:t>
+            </a:r>
+            <a:r>
+              <a:rPr lang="en-US" dirty="0"/>
+              <a:t> Assignment will be emailed out on Thursday.</a:t>
+            </a:r>
+          </a:p>
+          <a:p>
+            <a:pPr lvl="1"/>
+            <a:r>
+              <a:rPr lang="en-US" dirty="0"/>
+              <a:t>As always, the assignment will be due on the following Thursday at 10pm.</a:t>
+            </a:r>
+          </a:p>
+          <a:p>
+            <a:pPr lvl="1"/>
+            <a:r>
+              <a:rPr lang="en-US" dirty="0"/>
+              <a:t>Be sure to click the button "I'm done with this test", else you won't receive credit.</a:t>
+            </a:r>
+          </a:p>
+          <a:p>
+            <a:pPr lvl="1"/>
+            <a:r>
+              <a:rPr lang="en-US" dirty="0"/>
+              <a:t>The content will include material from Wednesday's and next Monday's lectures. </a:t>
+            </a:r>
+          </a:p>
+        </p:txBody>
+      </p:sp>
+      <p:sp>
+        <p:nvSpPr>
+          <p:cNvPr id="4" name="Slide Number Placeholder 3"/>
+          <p:cNvSpPr>
+            <a:spLocks noGrp="1"/>
+          </p:cNvSpPr>
+          <p:nvPr>
+            <p:ph type="sldNum" sz="quarter" idx="12"/>
+          </p:nvPr>
+        </p:nvSpPr>
+        <p:spPr/>
+        <p:txBody>
+          <a:bodyPr/>
+          <a:lstStyle/>
+          <a:p>
+            <a:fld id="{B6F15528-21DE-4FAA-801E-634DDDAF4B2B}" type="slidenum">
+              <a:rPr lang="en-US" smtClean="0"/>
+              <a:pPr/>
+              <a:t>2</a:t>
+            </a:fld>
+            <a:endParaRPr lang="en-US"/>
+          </a:p>
+        </p:txBody>
+      </p:sp>
+    </p:spTree>
+    <p:extLst>
+      <p:ext uri="{BB962C8B-B14F-4D97-AF65-F5344CB8AC3E}">
+        <p14:creationId xmlns:p14="http://schemas.microsoft.com/office/powerpoint/2010/main" val="1935724568"/>
+      </p:ext>
+    </p:extLst>
+  </p:cSld>
+  <p:clrMapOvr>
+    <a:masterClrMapping/>
+  </p:clrMapOvr>
+</p:sld>
+</file>
+
 <file path=ppt/slides/slide3.xml><?xml version="1.0" encoding="utf-8"?>
 <p:sld xmlns:a="http://schemas.openxmlformats.org/drawingml/2006/main" xmlns:r="http://schemas.openxmlformats.org/officeDocument/2006/relationships" xmlns:p="http://schemas.openxmlformats.org/presentationml/2006/main">
   <p:cSld>
@@ -10372,10 +9826,9 @@
           <a:lstStyle/>
           <a:p>
             <a:r>
-              <a:rPr lang="en-US" dirty="0" smtClean="0"/>
+              <a:rPr lang="en-US" dirty="0"/>
               <a:t>Outline</a:t>
             </a:r>
-            <a:endParaRPr lang="en-US" dirty="0"/>
           </a:p>
         </p:txBody>
       </p:sp>
@@ -10403,19 +9856,14 @@
           <a:p>
             <a:r>
               <a:rPr lang="en-US" sz="2800" dirty="0"/>
-              <a:t>Structure of a C </a:t>
-            </a:r>
-            <a:r>
-              <a:rPr lang="en-US" sz="2800" dirty="0" smtClean="0"/>
-              <a:t>program</a:t>
-            </a:r>
-          </a:p>
-          <a:p>
-            <a:r>
-              <a:rPr lang="en-US" sz="2800" dirty="0" smtClean="0"/>
+              <a:t>Structure of a C program</a:t>
+            </a:r>
+          </a:p>
+          <a:p>
+            <a:r>
+              <a:rPr lang="en-US" sz="2800" dirty="0"/>
               <a:t>Functions</a:t>
             </a:r>
-            <a:endParaRPr lang="en-US" sz="2800" dirty="0"/>
           </a:p>
           <a:p>
             <a:r>
@@ -10460,7 +9908,7 @@
             </a:r>
           </a:p>
           <a:p>
-            <a:endParaRPr lang="en-US" sz="2800" dirty="0" smtClean="0"/>
+            <a:endParaRPr lang="en-US" sz="2800" dirty="0"/>
           </a:p>
         </p:txBody>
       </p:sp>
@@ -10586,13 +10034,6 @@
   <p:clrMapOvr>
     <a:masterClrMapping/>
   </p:clrMapOvr>
-  <p:timing>
-    <p:tnLst>
-      <p:par>
-        <p:cTn id="1" dur="indefinite" restart="never" nodeType="tmRoot"/>
-      </p:par>
-    </p:tnLst>
-  </p:timing>
 </p:sld>
 </file>
 
@@ -10629,10 +10070,9 @@
           <a:lstStyle/>
           <a:p>
             <a:r>
-              <a:rPr lang="en-US" dirty="0" smtClean="0"/>
+              <a:rPr lang="en-US" dirty="0"/>
               <a:t>Program Design</a:t>
             </a:r>
-            <a:endParaRPr lang="en-US" dirty="0"/>
           </a:p>
         </p:txBody>
       </p:sp>
@@ -10652,7 +10092,7 @@
           <a:lstStyle/>
           <a:p>
             <a:r>
-              <a:rPr lang="en-US" dirty="0" smtClean="0"/>
+              <a:rPr lang="en-US" dirty="0"/>
               <a:t>The goal is to write a program</a:t>
             </a:r>
           </a:p>
@@ -10666,23 +10106,15 @@
           <a:p>
             <a:pPr lvl="1"/>
             <a:r>
-              <a:rPr lang="en-US" dirty="0" smtClean="0"/>
-              <a:t>Does </a:t>
-            </a:r>
-            <a:r>
               <a:rPr lang="en-US" dirty="0"/>
-              <a:t>what it is supposed to </a:t>
-            </a:r>
-            <a:r>
-              <a:rPr lang="en-US" dirty="0" smtClean="0"/>
-              <a:t>do (</a:t>
-            </a:r>
-            <a:r>
-              <a:rPr lang="en-US" i="1" dirty="0" smtClean="0"/>
+              <a:t>Does what it is supposed to do (</a:t>
+            </a:r>
+            <a:r>
+              <a:rPr lang="en-US" i="1" dirty="0"/>
               <a:t>no logical errors</a:t>
             </a:r>
             <a:r>
-              <a:rPr lang="en-US" dirty="0" smtClean="0"/>
+              <a:rPr lang="en-US" dirty="0"/>
               <a:t>)</a:t>
             </a:r>
           </a:p>
@@ -10694,13 +10126,13 @@
           </a:p>
           <a:p>
             <a:r>
-              <a:rPr lang="en-US" dirty="0" smtClean="0"/>
+              <a:rPr lang="en-US" dirty="0"/>
               <a:t>What are the steps to accomplish the goal?</a:t>
             </a:r>
           </a:p>
           <a:p>
             <a:r>
-              <a:rPr lang="en-US" dirty="0" smtClean="0"/>
+              <a:rPr lang="en-US" dirty="0"/>
               <a:t>How should the steps be written?</a:t>
             </a:r>
           </a:p>
@@ -10740,13 +10172,6 @@
   <p:clrMapOvr>
     <a:masterClrMapping/>
   </p:clrMapOvr>
-  <p:timing>
-    <p:tnLst>
-      <p:par>
-        <p:cTn id="1" dur="indefinite" restart="never" nodeType="tmRoot"/>
-      </p:par>
-    </p:tnLst>
-  </p:timing>
 </p:sld>
 </file>
 
@@ -10783,10 +10208,9 @@
           <a:lstStyle/>
           <a:p>
             <a:r>
-              <a:rPr lang="en-US" dirty="0" smtClean="0"/>
+              <a:rPr lang="en-US" dirty="0"/>
               <a:t>Example</a:t>
             </a:r>
-            <a:endParaRPr lang="en-US" dirty="0"/>
           </a:p>
         </p:txBody>
       </p:sp>
@@ -10808,7 +10232,7 @@
           <a:lstStyle/>
           <a:p>
             <a:r>
-              <a:rPr lang="en-US" dirty="0" smtClean="0"/>
+              <a:rPr lang="en-US" dirty="0"/>
               <a:t>Write a program that takes two numbers from the user and outputs their sum</a:t>
             </a:r>
           </a:p>
@@ -10931,58 +10355,34 @@
                   <a:srgbClr val="000099"/>
                 </a:solidFill>
               </a:rPr>
-              <a:t>Compute the sum as </a:t>
-            </a:r>
-            <a:r>
-              <a:rPr lang="en-US" sz="2800" dirty="0" smtClean="0">
+              <a:t>Compute the sum as 1</a:t>
+            </a:r>
+            <a:r>
+              <a:rPr lang="en-US" sz="2800" baseline="30000" dirty="0">
                 <a:solidFill>
                   <a:srgbClr val="000099"/>
                 </a:solidFill>
               </a:rPr>
-              <a:t>1</a:t>
-            </a:r>
-            <a:r>
-              <a:rPr lang="en-US" sz="2800" baseline="30000" dirty="0" smtClean="0">
+              <a:t>st</a:t>
+            </a:r>
+            <a:r>
+              <a:rPr lang="en-US" sz="2800" dirty="0">
                 <a:solidFill>
                   <a:srgbClr val="000099"/>
                 </a:solidFill>
               </a:rPr>
-              <a:t>st</a:t>
-            </a:r>
-            <a:r>
-              <a:rPr lang="en-US" sz="2800" dirty="0" smtClean="0">
+              <a:t> number + 2</a:t>
+            </a:r>
+            <a:r>
+              <a:rPr lang="en-US" sz="2800" baseline="30000" dirty="0">
                 <a:solidFill>
                   <a:srgbClr val="000099"/>
                 </a:solidFill>
               </a:rPr>
-              <a:t> number </a:t>
+              <a:t>nd</a:t>
             </a:r>
             <a:r>
               <a:rPr lang="en-US" sz="2800" dirty="0">
-                <a:solidFill>
-                  <a:srgbClr val="000099"/>
-                </a:solidFill>
-              </a:rPr>
-              <a:t>+ </a:t>
-            </a:r>
-            <a:r>
-              <a:rPr lang="en-US" sz="2800" dirty="0" smtClean="0">
-                <a:solidFill>
-                  <a:srgbClr val="000099"/>
-                </a:solidFill>
-              </a:rPr>
-              <a:t>2</a:t>
-            </a:r>
-            <a:r>
-              <a:rPr lang="en-US" sz="2800" baseline="30000" dirty="0" smtClean="0">
-                <a:solidFill>
-                  <a:srgbClr val="000099"/>
-                </a:solidFill>
-              </a:rPr>
-              <a:t>nd</a:t>
-            </a:r>
-            <a:r>
-              <a:rPr lang="en-US" sz="2800" dirty="0" smtClean="0">
                 <a:solidFill>
                   <a:srgbClr val="000099"/>
                 </a:solidFill>
@@ -10995,18 +10395,13 @@
               <a:buAutoNum type="arabicPeriod"/>
             </a:pPr>
             <a:r>
-              <a:rPr lang="en-US" sz="2800" dirty="0" smtClean="0">
+              <a:rPr lang="en-US" sz="2800" dirty="0">
                 <a:solidFill>
                   <a:srgbClr val="000099"/>
                 </a:solidFill>
               </a:rPr>
               <a:t>Record the result</a:t>
             </a:r>
-            <a:endParaRPr lang="en-US" sz="2800" dirty="0">
-              <a:solidFill>
-                <a:srgbClr val="000099"/>
-              </a:solidFill>
-            </a:endParaRPr>
           </a:p>
           <a:p>
             <a:pPr marL="971550" lvl="1" indent="-514350">
@@ -11449,10 +10844,9 @@
           <a:lstStyle/>
           <a:p>
             <a:r>
-              <a:rPr lang="en-US" dirty="0" smtClean="0"/>
+              <a:rPr lang="en-US" dirty="0"/>
               <a:t>Example</a:t>
             </a:r>
-            <a:endParaRPr lang="en-US" dirty="0"/>
           </a:p>
         </p:txBody>
       </p:sp>
@@ -11479,7 +10873,7 @@
           <a:lstStyle/>
           <a:p>
             <a:r>
-              <a:rPr lang="en-US" dirty="0" smtClean="0"/>
+              <a:rPr lang="en-US" dirty="0"/>
               <a:t>Write a program that computes the area of the shaded section</a:t>
             </a:r>
           </a:p>
@@ -11732,7 +11126,7 @@
               <a:buAutoNum type="arabicPeriod"/>
             </a:pPr>
             <a:r>
-              <a:rPr lang="en-US" sz="2400" dirty="0" smtClean="0">
+              <a:rPr lang="en-US" sz="2400" dirty="0">
                 <a:solidFill>
                   <a:srgbClr val="000099"/>
                 </a:solidFill>
@@ -11745,20 +11139,12 @@
               <a:buAutoNum type="arabicPeriod"/>
             </a:pPr>
             <a:r>
-              <a:rPr lang="en-US" sz="2400" dirty="0" smtClean="0">
+              <a:rPr lang="en-US" sz="2400" dirty="0">
                 <a:solidFill>
                   <a:srgbClr val="000099"/>
                 </a:solidFill>
               </a:rPr>
-              <a:t>Display </a:t>
-            </a:r>
-            <a:r>
-              <a:rPr lang="en-US" sz="2400" dirty="0">
-                <a:solidFill>
-                  <a:srgbClr val="000099"/>
-                </a:solidFill>
-              </a:rPr>
-              <a:t>the output on the screen</a:t>
+              <a:t>Display the output on the screen</a:t>
             </a:r>
           </a:p>
           <a:p>
@@ -12237,10 +11623,9 @@
           <a:lstStyle/>
           <a:p>
             <a:r>
-              <a:rPr lang="en-US" dirty="0" smtClean="0"/>
+              <a:rPr lang="en-US" dirty="0"/>
               <a:t>First Program Explained</a:t>
             </a:r>
-            <a:endParaRPr lang="en-US" dirty="0"/>
           </a:p>
         </p:txBody>
       </p:sp>
@@ -12264,38 +11649,38 @@
             <a:pPr>
               <a:buNone/>
             </a:pPr>
-            <a:endParaRPr lang="en-US" dirty="0" smtClean="0"/>
+            <a:endParaRPr lang="en-US" dirty="0"/>
           </a:p>
           <a:p>
             <a:pPr>
               <a:buNone/>
             </a:pPr>
-            <a:endParaRPr lang="en-US" dirty="0" smtClean="0"/>
+            <a:endParaRPr lang="en-US" dirty="0"/>
           </a:p>
           <a:p>
             <a:pPr>
               <a:buNone/>
             </a:pPr>
-            <a:endParaRPr lang="en-US" dirty="0" smtClean="0"/>
+            <a:endParaRPr lang="en-US" dirty="0"/>
           </a:p>
           <a:p>
             <a:pPr>
               <a:buNone/>
             </a:pPr>
-            <a:endParaRPr lang="en-US" dirty="0" smtClean="0"/>
+            <a:endParaRPr lang="en-US" dirty="0"/>
           </a:p>
           <a:p>
             <a:pPr>
               <a:buNone/>
             </a:pPr>
-            <a:endParaRPr lang="en-US" dirty="0" smtClean="0"/>
+            <a:endParaRPr lang="en-US" dirty="0"/>
           </a:p>
           <a:p>
             <a:pPr>
               <a:buNone/>
             </a:pPr>
             <a:r>
-              <a:rPr lang="en-US" sz="2200" dirty="0" smtClean="0">
+              <a:rPr lang="en-US" sz="2200" dirty="0">
                 <a:solidFill>
                   <a:srgbClr val="FF0000"/>
                 </a:solidFill>
@@ -12303,7 +11688,7 @@
               <a:t>#include &lt;</a:t>
             </a:r>
             <a:r>
-              <a:rPr lang="en-US" sz="2200" dirty="0" err="1" smtClean="0">
+              <a:rPr lang="en-US" sz="2200" dirty="0" err="1">
                 <a:solidFill>
                   <a:srgbClr val="FF0000"/>
                 </a:solidFill>
@@ -12311,7 +11696,7 @@
               <a:t>stdio.h</a:t>
             </a:r>
             <a:r>
-              <a:rPr lang="en-US" sz="2200" dirty="0" smtClean="0">
+              <a:rPr lang="en-US" sz="2200" dirty="0">
                 <a:solidFill>
                   <a:srgbClr val="FF0000"/>
                 </a:solidFill>
@@ -12319,15 +11704,15 @@
               <a:t>&gt;: </a:t>
             </a:r>
             <a:r>
-              <a:rPr lang="en-US" sz="2200" dirty="0" smtClean="0"/>
+              <a:rPr lang="en-US" sz="2200" dirty="0"/>
               <a:t>information in the header </a:t>
             </a:r>
             <a:r>
-              <a:rPr lang="en-US" sz="2200" b="1" dirty="0" err="1" smtClean="0"/>
+              <a:rPr lang="en-US" sz="2200" b="1" dirty="0" err="1"/>
               <a:t>stdio.h</a:t>
             </a:r>
             <a:r>
-              <a:rPr lang="en-US" sz="2200" dirty="0" smtClean="0"/>
+              <a:rPr lang="en-US" sz="2200" dirty="0"/>
               <a:t> needs to be included before the program is compiled</a:t>
             </a:r>
           </a:p>
@@ -12336,7 +11721,7 @@
               <a:buNone/>
             </a:pPr>
             <a:r>
-              <a:rPr lang="en-US" sz="2200" dirty="0" smtClean="0">
+              <a:rPr lang="en-US" sz="2200" dirty="0">
                 <a:solidFill>
                   <a:srgbClr val="FF0000"/>
                 </a:solidFill>
@@ -12344,7 +11729,7 @@
               <a:t>main:</a:t>
             </a:r>
             <a:r>
-              <a:rPr lang="en-US" sz="2200" dirty="0" smtClean="0"/>
+              <a:rPr lang="en-US" sz="2200" dirty="0"/>
               <a:t> a function, the main position to start the program at</a:t>
             </a:r>
           </a:p>
@@ -12353,7 +11738,7 @@
               <a:buNone/>
             </a:pPr>
             <a:r>
-              <a:rPr lang="en-US" sz="2200" dirty="0" smtClean="0">
+              <a:rPr lang="en-US" sz="2200" dirty="0">
                 <a:solidFill>
                   <a:srgbClr val="FF0000"/>
                 </a:solidFill>
@@ -12361,7 +11746,7 @@
               <a:t>{}</a:t>
             </a:r>
             <a:r>
-              <a:rPr lang="en-US" sz="2200" b="1" dirty="0" smtClean="0">
+              <a:rPr lang="en-US" sz="2200" b="1" dirty="0">
                 <a:solidFill>
                   <a:srgbClr val="FF0000"/>
                 </a:solidFill>
@@ -12369,7 +11754,7 @@
               <a:t>:</a:t>
             </a:r>
             <a:r>
-              <a:rPr lang="en-US" sz="2200" dirty="0" smtClean="0"/>
+              <a:rPr lang="en-US" sz="2200" dirty="0"/>
               <a:t> delimit start and end of a function</a:t>
             </a:r>
           </a:p>
@@ -12378,7 +11763,7 @@
               <a:buNone/>
             </a:pPr>
             <a:r>
-              <a:rPr lang="en-US" sz="2200" dirty="0" err="1" smtClean="0">
+              <a:rPr lang="en-US" sz="2200" dirty="0" err="1">
                 <a:solidFill>
                   <a:srgbClr val="FF0000"/>
                 </a:solidFill>
@@ -12386,7 +11771,7 @@
               <a:t>printf</a:t>
             </a:r>
             <a:r>
-              <a:rPr lang="en-US" sz="2200" dirty="0" smtClean="0">
+              <a:rPr lang="en-US" sz="2200" dirty="0">
                 <a:solidFill>
                   <a:srgbClr val="FF0000"/>
                 </a:solidFill>
@@ -12394,7 +11779,7 @@
               <a:t>:</a:t>
             </a:r>
             <a:r>
-              <a:rPr lang="en-US" sz="2200" dirty="0" smtClean="0"/>
+              <a:rPr lang="en-US" sz="2200" dirty="0"/>
               <a:t> a function, displays Hello World to the screen</a:t>
             </a:r>
           </a:p>
@@ -12432,7 +11817,7 @@
               <a:buNone/>
             </a:pPr>
             <a:r>
-              <a:rPr lang="en-US" sz="2400" dirty="0" smtClean="0">
+              <a:rPr lang="en-US" sz="2400" dirty="0">
                 <a:latin typeface="Consolas" charset="0"/>
                 <a:ea typeface="Consolas" charset="0"/>
                 <a:cs typeface="Consolas" charset="0"/>
@@ -12440,7 +11825,7 @@
               <a:t>#include &lt;</a:t>
             </a:r>
             <a:r>
-              <a:rPr lang="en-US" sz="2400" dirty="0" err="1" smtClean="0">
+              <a:rPr lang="en-US" sz="2400" dirty="0" err="1">
                 <a:latin typeface="Consolas" charset="0"/>
                 <a:ea typeface="Consolas" charset="0"/>
                 <a:cs typeface="Consolas" charset="0"/>
@@ -12448,7 +11833,7 @@
               <a:t>stdio.h</a:t>
             </a:r>
             <a:r>
-              <a:rPr lang="en-US" sz="2400" dirty="0" smtClean="0">
+              <a:rPr lang="en-US" sz="2400" dirty="0">
                 <a:latin typeface="Consolas" charset="0"/>
                 <a:ea typeface="Consolas" charset="0"/>
                 <a:cs typeface="Consolas" charset="0"/>
@@ -12461,7 +11846,7 @@
               <a:buNone/>
             </a:pPr>
             <a:r>
-              <a:rPr lang="en-US" sz="2400" dirty="0" err="1" smtClean="0">
+              <a:rPr lang="en-US" sz="2400" dirty="0" err="1">
                 <a:latin typeface="Consolas" charset="0"/>
                 <a:ea typeface="Consolas" charset="0"/>
                 <a:cs typeface="Consolas" charset="0"/>
@@ -12469,7 +11854,7 @@
               <a:t>int</a:t>
             </a:r>
             <a:r>
-              <a:rPr lang="en-US" sz="2400" dirty="0" smtClean="0">
+              <a:rPr lang="en-US" sz="2400" dirty="0">
                 <a:latin typeface="Consolas" charset="0"/>
                 <a:ea typeface="Consolas" charset="0"/>
                 <a:cs typeface="Consolas" charset="0"/>
@@ -12487,18 +11872,10 @@
                 <a:ea typeface="Consolas" charset="0"/>
                 <a:cs typeface="Consolas" charset="0"/>
               </a:rPr>
-              <a:t> </a:t>
-            </a:r>
-            <a:r>
-              <a:rPr lang="en-US" sz="2400" dirty="0" smtClean="0">
-                <a:latin typeface="Consolas" charset="0"/>
-                <a:ea typeface="Consolas" charset="0"/>
-                <a:cs typeface="Consolas" charset="0"/>
-              </a:rPr>
-              <a:t> </a:t>
-            </a:r>
-            <a:r>
-              <a:rPr lang="en-US" sz="2400" dirty="0" err="1" smtClean="0">
+              <a:t>  </a:t>
+            </a:r>
+            <a:r>
+              <a:rPr lang="en-US" sz="2400" dirty="0" err="1">
                 <a:latin typeface="Consolas" charset="0"/>
                 <a:ea typeface="Consolas" charset="0"/>
                 <a:cs typeface="Consolas" charset="0"/>
@@ -12506,7 +11883,7 @@
               <a:t>printf</a:t>
             </a:r>
             <a:r>
-              <a:rPr lang="en-US" sz="2400" dirty="0" smtClean="0">
+              <a:rPr lang="en-US" sz="2400" dirty="0">
                 <a:latin typeface="Consolas" charset="0"/>
                 <a:ea typeface="Consolas" charset="0"/>
                 <a:cs typeface="Consolas" charset="0"/>
@@ -12519,7 +11896,7 @@
               <a:buNone/>
             </a:pPr>
             <a:r>
-              <a:rPr lang="en-US" sz="2400" dirty="0" smtClean="0">
+              <a:rPr lang="en-US" sz="2400" dirty="0">
                 <a:latin typeface="Consolas" charset="0"/>
                 <a:ea typeface="Consolas" charset="0"/>
                 <a:cs typeface="Consolas" charset="0"/>
@@ -12532,7 +11909,7 @@
               <a:buNone/>
             </a:pPr>
             <a:r>
-              <a:rPr lang="en-US" sz="2400" dirty="0" smtClean="0">
+              <a:rPr lang="en-US" sz="2400" dirty="0">
                 <a:latin typeface="Consolas" charset="0"/>
                 <a:ea typeface="Consolas" charset="0"/>
                 <a:cs typeface="Consolas" charset="0"/>
@@ -12843,10 +12220,9 @@
           <a:lstStyle/>
           <a:p>
             <a:r>
-              <a:rPr lang="en-US" dirty="0" smtClean="0"/>
+              <a:rPr lang="en-US" dirty="0"/>
               <a:t>Fundamentals of C</a:t>
             </a:r>
-            <a:endParaRPr lang="en-US" dirty="0"/>
           </a:p>
         </p:txBody>
       </p:sp>
@@ -12873,7 +12249,7 @@
           <a:lstStyle/>
           <a:p>
             <a:r>
-              <a:rPr lang="en-US" sz="2800" dirty="0" smtClean="0">
+              <a:rPr lang="en-US" sz="2800" dirty="0">
                 <a:solidFill>
                   <a:srgbClr val="FF0000"/>
                 </a:solidFill>
@@ -12884,28 +12260,28 @@
           <a:p>
             <a:pPr lvl="1"/>
             <a:r>
-              <a:rPr lang="en-US" sz="2400" dirty="0" smtClean="0"/>
+              <a:rPr lang="en-US" sz="2400" dirty="0"/>
               <a:t>commands for the preprocessor</a:t>
             </a:r>
           </a:p>
           <a:p>
             <a:pPr lvl="1"/>
             <a:r>
-              <a:rPr lang="en-US" sz="2400" dirty="0" smtClean="0"/>
+              <a:rPr lang="en-US" sz="2400" dirty="0"/>
               <a:t>one line long</a:t>
             </a:r>
           </a:p>
           <a:p>
             <a:pPr lvl="1"/>
             <a:r>
-              <a:rPr lang="en-US" sz="2400" dirty="0" smtClean="0"/>
+              <a:rPr lang="en-US" sz="2400" dirty="0"/>
               <a:t>begin with #</a:t>
             </a:r>
           </a:p>
           <a:p>
             <a:pPr lvl="1"/>
             <a:r>
-              <a:rPr lang="en-US" sz="2400" dirty="0" smtClean="0"/>
+              <a:rPr lang="en-US" sz="2400" dirty="0"/>
               <a:t>No semicolon at the end </a:t>
             </a:r>
           </a:p>
@@ -12943,7 +12319,7 @@
               <a:buNone/>
             </a:pPr>
             <a:r>
-              <a:rPr lang="en-US" sz="2400" i="1" dirty="0" smtClean="0">
+              <a:rPr lang="en-US" sz="2400" i="1" dirty="0">
                 <a:latin typeface="Consolas" charset="0"/>
                 <a:ea typeface="Consolas" charset="0"/>
                 <a:cs typeface="Consolas" charset="0"/>
@@ -12956,7 +12332,7 @@
               <a:buNone/>
             </a:pPr>
             <a:r>
-              <a:rPr lang="en-US" sz="2400" b="1" dirty="0" err="1" smtClean="0">
+              <a:rPr lang="en-US" sz="2400" b="1" dirty="0" err="1">
                 <a:solidFill>
                   <a:schemeClr val="accent1">
                     <a:lumMod val="75000"/>
@@ -12969,7 +12345,7 @@
               <a:t>int</a:t>
             </a:r>
             <a:r>
-              <a:rPr lang="en-US" sz="2400" b="1" dirty="0" smtClean="0">
+              <a:rPr lang="en-US" sz="2400" b="1" dirty="0">
                 <a:solidFill>
                   <a:schemeClr val="accent1">
                     <a:lumMod val="75000"/>
@@ -12992,18 +12368,10 @@
                 <a:ea typeface="Consolas" charset="0"/>
                 <a:cs typeface="Consolas" charset="0"/>
               </a:rPr>
-              <a:t> </a:t>
-            </a:r>
-            <a:r>
-              <a:rPr lang="en-US" sz="2400" dirty="0" smtClean="0">
-                <a:latin typeface="Consolas" charset="0"/>
-                <a:ea typeface="Consolas" charset="0"/>
-                <a:cs typeface="Consolas" charset="0"/>
-              </a:rPr>
-              <a:t> </a:t>
-            </a:r>
-            <a:r>
-              <a:rPr lang="en-US" sz="2400" i="1" dirty="0" smtClean="0">
+              <a:t>  </a:t>
+            </a:r>
+            <a:r>
+              <a:rPr lang="en-US" sz="2400" i="1" dirty="0">
                 <a:latin typeface="Consolas" charset="0"/>
                 <a:ea typeface="Consolas" charset="0"/>
                 <a:cs typeface="Consolas" charset="0"/>
@@ -13016,7 +12384,7 @@
               <a:buNone/>
             </a:pPr>
             <a:r>
-              <a:rPr lang="en-US" sz="2400" b="1" dirty="0" smtClean="0">
+              <a:rPr lang="en-US" sz="2400" b="1" dirty="0">
                 <a:solidFill>
                   <a:schemeClr val="accent1">
                     <a:lumMod val="75000"/>
@@ -13095,7 +12463,7 @@
               <a:buNone/>
             </a:pPr>
             <a:r>
-              <a:rPr lang="en-US" sz="2400" dirty="0" smtClean="0">
+              <a:rPr lang="en-US" sz="2400" dirty="0">
                 <a:latin typeface="Consolas" charset="0"/>
                 <a:ea typeface="Consolas" charset="0"/>
                 <a:cs typeface="Consolas" charset="0"/>
@@ -13103,7 +12471,7 @@
               <a:t>#include &lt;</a:t>
             </a:r>
             <a:r>
-              <a:rPr lang="en-US" sz="2400" dirty="0" err="1" smtClean="0">
+              <a:rPr lang="en-US" sz="2400" dirty="0" err="1">
                 <a:latin typeface="Consolas" charset="0"/>
                 <a:ea typeface="Consolas" charset="0"/>
                 <a:cs typeface="Consolas" charset="0"/>
@@ -13111,7 +12479,7 @@
               <a:t>stdio.h</a:t>
             </a:r>
             <a:r>
-              <a:rPr lang="en-US" sz="2400" dirty="0" smtClean="0">
+              <a:rPr lang="en-US" sz="2400" dirty="0">
                 <a:latin typeface="Consolas" charset="0"/>
                 <a:ea typeface="Consolas" charset="0"/>
                 <a:cs typeface="Consolas" charset="0"/>
@@ -13124,7 +12492,7 @@
               <a:buNone/>
             </a:pPr>
             <a:r>
-              <a:rPr lang="en-US" sz="2400" b="1" dirty="0" err="1" smtClean="0">
+              <a:rPr lang="en-US" sz="2400" b="1" dirty="0" err="1">
                 <a:solidFill>
                   <a:schemeClr val="accent1">
                     <a:lumMod val="75000"/>
@@ -13137,7 +12505,7 @@
               <a:t>int</a:t>
             </a:r>
             <a:r>
-              <a:rPr lang="en-US" sz="2400" b="1" dirty="0" smtClean="0">
+              <a:rPr lang="en-US" sz="2400" b="1" dirty="0">
                 <a:solidFill>
                   <a:schemeClr val="accent1">
                     <a:lumMod val="75000"/>
@@ -13160,18 +12528,10 @@
                 <a:ea typeface="Consolas" charset="0"/>
                 <a:cs typeface="Consolas" charset="0"/>
               </a:rPr>
-              <a:t> </a:t>
-            </a:r>
-            <a:r>
-              <a:rPr lang="en-US" sz="2400" dirty="0" smtClean="0">
-                <a:latin typeface="Consolas" charset="0"/>
-                <a:ea typeface="Consolas" charset="0"/>
-                <a:cs typeface="Consolas" charset="0"/>
-              </a:rPr>
-              <a:t> </a:t>
-            </a:r>
-            <a:r>
-              <a:rPr lang="en-US" sz="2400" dirty="0" err="1" smtClean="0">
+              <a:t>  </a:t>
+            </a:r>
+            <a:r>
+              <a:rPr lang="en-US" sz="2400" dirty="0" err="1">
                 <a:latin typeface="Consolas" charset="0"/>
                 <a:ea typeface="Consolas" charset="0"/>
                 <a:cs typeface="Consolas" charset="0"/>
@@ -13179,7 +12539,7 @@
               <a:t>printf</a:t>
             </a:r>
             <a:r>
-              <a:rPr lang="en-US" sz="2400" dirty="0" smtClean="0">
+              <a:rPr lang="en-US" sz="2400" dirty="0">
                 <a:latin typeface="Consolas" charset="0"/>
                 <a:ea typeface="Consolas" charset="0"/>
                 <a:cs typeface="Consolas" charset="0"/>
@@ -13192,7 +12552,7 @@
               <a:buNone/>
             </a:pPr>
             <a:r>
-              <a:rPr lang="en-US" sz="2400" dirty="0" smtClean="0">
+              <a:rPr lang="en-US" sz="2400" dirty="0">
                 <a:latin typeface="Consolas" charset="0"/>
                 <a:ea typeface="Consolas" charset="0"/>
                 <a:cs typeface="Consolas" charset="0"/>
@@ -13205,7 +12565,7 @@
               <a:buNone/>
             </a:pPr>
             <a:r>
-              <a:rPr lang="en-US" sz="2400" b="1" dirty="0" smtClean="0">
+              <a:rPr lang="en-US" sz="2400" b="1" dirty="0">
                 <a:solidFill>
                   <a:schemeClr val="accent1">
                     <a:lumMod val="75000"/>
@@ -13360,13 +12720,6 @@
   <p:clrMapOvr>
     <a:masterClrMapping/>
   </p:clrMapOvr>
-  <p:timing>
-    <p:tnLst>
-      <p:par>
-        <p:cTn id="1" dur="indefinite" restart="never" nodeType="tmRoot"/>
-      </p:par>
-    </p:tnLst>
-  </p:timing>
 </p:sld>
 </file>
 
@@ -13403,10 +12756,9 @@
           <a:lstStyle/>
           <a:p>
             <a:r>
-              <a:rPr lang="en-US" dirty="0" smtClean="0"/>
+              <a:rPr lang="en-US" dirty="0"/>
               <a:t>Fundamentals of C</a:t>
             </a:r>
-            <a:endParaRPr lang="en-US" dirty="0"/>
           </a:p>
         </p:txBody>
       </p:sp>
@@ -13433,7 +12785,7 @@
           <a:lstStyle/>
           <a:p>
             <a:r>
-              <a:rPr lang="en-US" sz="2800" dirty="0" smtClean="0">
+              <a:rPr lang="en-US" sz="2800" dirty="0">
                 <a:solidFill>
                   <a:srgbClr val="FF0000"/>
                 </a:solidFill>
@@ -13441,21 +12793,21 @@
               <a:t>statements:</a:t>
             </a:r>
             <a:r>
-              <a:rPr lang="en-US" sz="2800" dirty="0" smtClean="0"/>
+              <a:rPr lang="en-US" sz="2800" dirty="0"/>
               <a:t> </a:t>
             </a:r>
           </a:p>
           <a:p>
             <a:pPr lvl="1"/>
             <a:r>
-              <a:rPr lang="en-US" sz="2400" dirty="0" smtClean="0"/>
+              <a:rPr lang="en-US" sz="2400" dirty="0"/>
               <a:t>commands to be executed when the program runs</a:t>
             </a:r>
           </a:p>
           <a:p>
             <a:pPr lvl="1"/>
             <a:r>
-              <a:rPr lang="en-US" sz="2400" dirty="0" smtClean="0"/>
+              <a:rPr lang="en-US" sz="2400" dirty="0"/>
               <a:t>End with semicolon (with some exceptions)</a:t>
             </a:r>
           </a:p>
@@ -13517,7 +12869,7 @@
               <a:buNone/>
             </a:pPr>
             <a:r>
-              <a:rPr lang="en-US" sz="2400" i="1" dirty="0" smtClean="0">
+              <a:rPr lang="en-US" sz="2400" i="1" dirty="0">
                 <a:latin typeface="Consolas" charset="0"/>
                 <a:ea typeface="Consolas" charset="0"/>
                 <a:cs typeface="Consolas" charset="0"/>
@@ -13530,7 +12882,7 @@
               <a:buNone/>
             </a:pPr>
             <a:r>
-              <a:rPr lang="en-US" sz="2400" b="1" dirty="0" err="1" smtClean="0">
+              <a:rPr lang="en-US" sz="2400" b="1" dirty="0" err="1">
                 <a:solidFill>
                   <a:schemeClr val="accent1">
                     <a:lumMod val="75000"/>
@@ -13543,7 +12895,7 @@
               <a:t>int</a:t>
             </a:r>
             <a:r>
-              <a:rPr lang="en-US" sz="2400" b="1" dirty="0" smtClean="0">
+              <a:rPr lang="en-US" sz="2400" b="1" dirty="0">
                 <a:solidFill>
                   <a:schemeClr val="accent1">
                     <a:lumMod val="75000"/>
@@ -13566,18 +12918,10 @@
                 <a:ea typeface="Consolas" charset="0"/>
                 <a:cs typeface="Consolas" charset="0"/>
               </a:rPr>
-              <a:t> </a:t>
-            </a:r>
-            <a:r>
-              <a:rPr lang="en-US" sz="2400" dirty="0" smtClean="0">
-                <a:latin typeface="Consolas" charset="0"/>
-                <a:ea typeface="Consolas" charset="0"/>
-                <a:cs typeface="Consolas" charset="0"/>
-              </a:rPr>
-              <a:t> </a:t>
-            </a:r>
-            <a:r>
-              <a:rPr lang="en-US" sz="2400" i="1" dirty="0" smtClean="0">
+              <a:t>  </a:t>
+            </a:r>
+            <a:r>
+              <a:rPr lang="en-US" sz="2400" i="1" dirty="0">
                 <a:latin typeface="Consolas" charset="0"/>
                 <a:ea typeface="Consolas" charset="0"/>
                 <a:cs typeface="Consolas" charset="0"/>
@@ -13590,7 +12934,7 @@
               <a:buNone/>
             </a:pPr>
             <a:r>
-              <a:rPr lang="en-US" sz="2400" b="1" dirty="0" smtClean="0">
+              <a:rPr lang="en-US" sz="2400" b="1" dirty="0">
                 <a:solidFill>
                   <a:schemeClr val="accent1">
                     <a:lumMod val="75000"/>
@@ -13645,7 +12989,7 @@
               <a:buNone/>
             </a:pPr>
             <a:r>
-              <a:rPr lang="en-US" sz="2400" dirty="0" smtClean="0">
+              <a:rPr lang="en-US" sz="2400" dirty="0">
                 <a:latin typeface="Consolas" charset="0"/>
                 <a:ea typeface="Consolas" charset="0"/>
                 <a:cs typeface="Consolas" charset="0"/>
@@ -13653,7 +12997,7 @@
               <a:t>#include &lt;</a:t>
             </a:r>
             <a:r>
-              <a:rPr lang="en-US" sz="2400" dirty="0" err="1" smtClean="0">
+              <a:rPr lang="en-US" sz="2400" dirty="0" err="1">
                 <a:latin typeface="Consolas" charset="0"/>
                 <a:ea typeface="Consolas" charset="0"/>
                 <a:cs typeface="Consolas" charset="0"/>
@@ -13661,7 +13005,7 @@
               <a:t>stdio.h</a:t>
             </a:r>
             <a:r>
-              <a:rPr lang="en-US" sz="2400" dirty="0" smtClean="0">
+              <a:rPr lang="en-US" sz="2400" dirty="0">
                 <a:latin typeface="Consolas" charset="0"/>
                 <a:ea typeface="Consolas" charset="0"/>
                 <a:cs typeface="Consolas" charset="0"/>
@@ -13674,7 +13018,7 @@
               <a:buNone/>
             </a:pPr>
             <a:r>
-              <a:rPr lang="en-US" sz="2400" b="1" dirty="0" err="1" smtClean="0">
+              <a:rPr lang="en-US" sz="2400" b="1" dirty="0" err="1">
                 <a:solidFill>
                   <a:schemeClr val="accent1">
                     <a:lumMod val="75000"/>
@@ -13687,7 +13031,7 @@
               <a:t>int</a:t>
             </a:r>
             <a:r>
-              <a:rPr lang="en-US" sz="2400" b="1" dirty="0" smtClean="0">
+              <a:rPr lang="en-US" sz="2400" b="1" dirty="0">
                 <a:solidFill>
                   <a:schemeClr val="accent1">
                     <a:lumMod val="75000"/>
@@ -13710,18 +13054,10 @@
                 <a:ea typeface="Consolas" charset="0"/>
                 <a:cs typeface="Consolas" charset="0"/>
               </a:rPr>
-              <a:t> </a:t>
-            </a:r>
-            <a:r>
-              <a:rPr lang="en-US" sz="2400" dirty="0" smtClean="0">
-                <a:latin typeface="Consolas" charset="0"/>
-                <a:ea typeface="Consolas" charset="0"/>
-                <a:cs typeface="Consolas" charset="0"/>
-              </a:rPr>
-              <a:t> </a:t>
-            </a:r>
-            <a:r>
-              <a:rPr lang="en-US" sz="2400" dirty="0" err="1" smtClean="0">
+              <a:t>  </a:t>
+            </a:r>
+            <a:r>
+              <a:rPr lang="en-US" sz="2400" dirty="0" err="1">
                 <a:latin typeface="Consolas" charset="0"/>
                 <a:ea typeface="Consolas" charset="0"/>
                 <a:cs typeface="Consolas" charset="0"/>
@@ -13729,7 +13065,7 @@
               <a:t>printf</a:t>
             </a:r>
             <a:r>
-              <a:rPr lang="en-US" sz="2400" dirty="0" smtClean="0">
+              <a:rPr lang="en-US" sz="2400" dirty="0">
                 <a:latin typeface="Consolas" charset="0"/>
                 <a:ea typeface="Consolas" charset="0"/>
                 <a:cs typeface="Consolas" charset="0"/>
@@ -13742,7 +13078,7 @@
               <a:buNone/>
             </a:pPr>
             <a:r>
-              <a:rPr lang="en-US" sz="2400" dirty="0" smtClean="0">
+              <a:rPr lang="en-US" sz="2400" dirty="0">
                 <a:latin typeface="Consolas" charset="0"/>
                 <a:ea typeface="Consolas" charset="0"/>
                 <a:cs typeface="Consolas" charset="0"/>
@@ -13755,7 +13091,7 @@
               <a:buNone/>
             </a:pPr>
             <a:r>
-              <a:rPr lang="en-US" sz="2400" b="1" dirty="0" smtClean="0">
+              <a:rPr lang="en-US" sz="2400" b="1" dirty="0">
                 <a:solidFill>
                   <a:schemeClr val="accent1">
                     <a:lumMod val="75000"/>
@@ -13910,13 +13246,6 @@
   <p:clrMapOvr>
     <a:masterClrMapping/>
   </p:clrMapOvr>
-  <p:timing>
-    <p:tnLst>
-      <p:par>
-        <p:cTn id="1" dur="indefinite" restart="never" nodeType="tmRoot"/>
-      </p:par>
-    </p:tnLst>
-  </p:timing>
 </p:sld>
 </file>
 

--- a/Lectures/cse220-02-fundamentals.pptx
+++ b/Lectures/cse220-02-fundamentals.pptx
@@ -229,7 +229,7 @@
           <a:p>
             <a:fld id="{BD881434-6122-FF40-9E3D-9815E9633609}" type="datetimeFigureOut">
               <a:rPr lang="en-US" smtClean="0"/>
-              <a:t>9/6/20</a:t>
+              <a:t>9/9/20</a:t>
             </a:fld>
             <a:endParaRPr lang="en-US"/>
           </a:p>
@@ -394,7 +394,7 @@
           <a:p>
             <a:fld id="{7E251A12-E2C7-490F-9B80-BF4FB84EE236}" type="datetimeFigureOut">
               <a:rPr lang="en-US" smtClean="0"/>
-              <a:t>9/6/20</a:t>
+              <a:t>9/9/20</a:t>
             </a:fld>
             <a:endParaRPr lang="en-US"/>
           </a:p>
@@ -1291,7 +1291,7 @@
           <a:p>
             <a:fld id="{7384DF1B-9306-5C40-9876-AE2D78A9FDE4}" type="datetime1">
               <a:rPr lang="en-US" smtClean="0"/>
-              <a:t>9/6/20</a:t>
+              <a:t>9/9/20</a:t>
             </a:fld>
             <a:endParaRPr lang="en-US"/>
           </a:p>
@@ -1489,7 +1489,7 @@
           <a:p>
             <a:fld id="{8E39E3B8-3B06-F446-8564-844FD2CD4310}" type="datetime1">
               <a:rPr lang="en-US" smtClean="0"/>
-              <a:t>9/6/20</a:t>
+              <a:t>9/9/20</a:t>
             </a:fld>
             <a:endParaRPr lang="en-US"/>
           </a:p>
@@ -1670,7 +1670,7 @@
           <a:p>
             <a:fld id="{A2C3BA15-1D5A-2649-BA38-871E708825AD}" type="datetime1">
               <a:rPr lang="en-US" smtClean="0"/>
-              <a:t>9/6/20</a:t>
+              <a:t>9/9/20</a:t>
             </a:fld>
             <a:endParaRPr lang="en-US"/>
           </a:p>
@@ -1846,7 +1846,7 @@
           <a:p>
             <a:fld id="{D633B74A-4A49-0B43-8EA5-C9D0E37154E8}" type="datetime1">
               <a:rPr lang="en-US" smtClean="0"/>
-              <a:t>9/6/20</a:t>
+              <a:t>9/9/20</a:t>
             </a:fld>
             <a:endParaRPr lang="en-US"/>
           </a:p>
@@ -2101,7 +2101,7 @@
           <a:p>
             <a:fld id="{0B758CB2-5D7A-A348-BF2A-0FD957E74D15}" type="datetime1">
               <a:rPr lang="en-US" smtClean="0"/>
-              <a:t>9/6/20</a:t>
+              <a:t>9/9/20</a:t>
             </a:fld>
             <a:endParaRPr lang="en-US"/>
           </a:p>
@@ -2433,7 +2433,7 @@
           <a:p>
             <a:fld id="{13175A36-E553-AA47-A33E-BFB504071D85}" type="datetime1">
               <a:rPr lang="en-US" smtClean="0"/>
-              <a:t>9/6/20</a:t>
+              <a:t>9/9/20</a:t>
             </a:fld>
             <a:endParaRPr lang="en-US"/>
           </a:p>
@@ -2854,7 +2854,7 @@
           <a:p>
             <a:fld id="{600960A9-C290-AC41-AB71-C84CB1AE5D73}" type="datetime1">
               <a:rPr lang="en-US" smtClean="0"/>
-              <a:t>9/6/20</a:t>
+              <a:t>9/9/20</a:t>
             </a:fld>
             <a:endParaRPr lang="en-US"/>
           </a:p>
@@ -2973,7 +2973,7 @@
           <a:p>
             <a:fld id="{E305FC5F-EAEA-994B-B718-421A5F738C89}" type="datetime1">
               <a:rPr lang="en-US" smtClean="0"/>
-              <a:t>9/6/20</a:t>
+              <a:t>9/9/20</a:t>
             </a:fld>
             <a:endParaRPr lang="en-US"/>
           </a:p>
@@ -3069,7 +3069,7 @@
           <a:p>
             <a:fld id="{0F94B73F-5B9C-F24B-B486-25F0F206A017}" type="datetime1">
               <a:rPr lang="en-US" smtClean="0"/>
-              <a:t>9/6/20</a:t>
+              <a:t>9/9/20</a:t>
             </a:fld>
             <a:endParaRPr lang="en-US"/>
           </a:p>
@@ -3362,7 +3362,7 @@
           <a:p>
             <a:fld id="{AB68942B-58BF-9246-A50F-D8D25B9646E0}" type="datetime1">
               <a:rPr lang="en-US" smtClean="0"/>
-              <a:t>9/6/20</a:t>
+              <a:t>9/9/20</a:t>
             </a:fld>
             <a:endParaRPr lang="en-US"/>
           </a:p>
@@ -3693,7 +3693,7 @@
           <a:p>
             <a:fld id="{D51FAFC3-9C2B-7C44-B559-1B8BEDEB77CC}" type="datetime1">
               <a:rPr lang="en-US" smtClean="0"/>
-              <a:t>9/6/20</a:t>
+              <a:t>9/9/20</a:t>
             </a:fld>
             <a:endParaRPr lang="en-US"/>
           </a:p>
@@ -3948,7 +3948,7 @@
           <a:p>
             <a:fld id="{042A9FB8-B2C3-FC49-B7FF-EAA4287219B7}" type="datetime1">
               <a:rPr lang="en-US" smtClean="0"/>
-              <a:t>9/6/20</a:t>
+              <a:t>9/9/20</a:t>
             </a:fld>
             <a:endParaRPr lang="en-US"/>
           </a:p>
@@ -6336,7 +6336,7 @@
                 <a:ea typeface="Consolas" charset="0"/>
                 <a:cs typeface="Consolas" charset="0"/>
               </a:rPr>
-              <a:t>("Ready\n")</a:t>
+              <a:t>("Ready\n");</a:t>
             </a:r>
           </a:p>
           <a:p>
